--- a/thesis/pptx/csn-slide-baocao.pptx
+++ b/thesis/pptx/csn-slide-baocao.pptx
@@ -41,33 +41,38 @@
       <p:boldItalic r:id="rId27"/>
     </p:embeddedFont>
     <p:embeddedFont>
-      <p:font typeface="Inter Extra Bold" panose="02000903000000020004" pitchFamily="50" charset="0"/>
+      <p:font typeface="Inter Black" panose="02000A03000000020004" pitchFamily="50" charset="0"/>
       <p:bold r:id="rId28"/>
       <p:boldItalic r:id="rId29"/>
     </p:embeddedFont>
     <p:embeddedFont>
+      <p:font typeface="Inter Extra Bold" panose="02000903000000020004" pitchFamily="50" charset="0"/>
+      <p:bold r:id="rId30"/>
+      <p:boldItalic r:id="rId31"/>
+    </p:embeddedFont>
+    <p:embeddedFont>
       <p:font typeface="Inter Medium" panose="02000603000000020004" pitchFamily="50" charset="0"/>
-      <p:regular r:id="rId30"/>
-      <p:italic r:id="rId31"/>
+      <p:regular r:id="rId32"/>
+      <p:italic r:id="rId33"/>
     </p:embeddedFont>
     <p:embeddedFont>
       <p:font typeface="Inter V Black" panose="02000503000000020004" pitchFamily="2" charset="0"/>
-      <p:bold r:id="rId32"/>
+      <p:bold r:id="rId34"/>
     </p:embeddedFont>
     <p:embeddedFont>
       <p:font typeface="Inter V Extra Bold" panose="02000503000000020004" pitchFamily="2" charset="0"/>
-      <p:bold r:id="rId33"/>
+      <p:bold r:id="rId35"/>
     </p:embeddedFont>
     <p:embeddedFont>
       <p:font typeface="Inter V Medium" panose="02000503000000020004" pitchFamily="2" charset="0"/>
-      <p:regular r:id="rId34"/>
+      <p:regular r:id="rId36"/>
     </p:embeddedFont>
     <p:embeddedFont>
       <p:font typeface="Lato" panose="020F0502020204030203" pitchFamily="34" charset="0"/>
-      <p:regular r:id="rId35"/>
-      <p:bold r:id="rId36"/>
-      <p:italic r:id="rId37"/>
-      <p:boldItalic r:id="rId38"/>
+      <p:regular r:id="rId37"/>
+      <p:bold r:id="rId38"/>
+      <p:italic r:id="rId39"/>
+      <p:boldItalic r:id="rId40"/>
     </p:embeddedFont>
   </p:embeddedFontLst>
   <p:defaultTextStyle>
@@ -5668,6 +5673,150 @@
           </a:prstGeom>
         </p:spPr>
       </p:pic>
+      <p:grpSp>
+        <p:nvGrpSpPr>
+          <p:cNvPr id="7" name="Group 6">
+            <a:extLst>
+              <a:ext uri="{FF2B5EF4-FFF2-40B4-BE49-F238E27FC236}">
+                <a16:creationId xmlns:a16="http://schemas.microsoft.com/office/drawing/2014/main" id="{C08E2482-40BC-4F4B-9032-8C5F28444D6D}"/>
+              </a:ext>
+            </a:extLst>
+          </p:cNvPr>
+          <p:cNvGrpSpPr/>
+          <p:nvPr/>
+        </p:nvGrpSpPr>
+        <p:grpSpPr>
+          <a:xfrm>
+            <a:off x="8340512" y="4322234"/>
+            <a:ext cx="642086" cy="637403"/>
+            <a:chOff x="8340512" y="4322234"/>
+            <a:chExt cx="642086" cy="637403"/>
+          </a:xfrm>
+        </p:grpSpPr>
+        <p:sp>
+          <p:nvSpPr>
+            <p:cNvPr id="6" name="Rectangle: Rounded Corners 5">
+              <a:extLst>
+                <a:ext uri="{FF2B5EF4-FFF2-40B4-BE49-F238E27FC236}">
+                  <a16:creationId xmlns:a16="http://schemas.microsoft.com/office/drawing/2014/main" id="{14B54B66-EFDF-4B3F-963C-A0D21A82953C}"/>
+                </a:ext>
+              </a:extLst>
+            </p:cNvPr>
+            <p:cNvSpPr/>
+            <p:nvPr/>
+          </p:nvSpPr>
+          <p:spPr>
+            <a:xfrm>
+              <a:off x="8406865" y="4383904"/>
+              <a:ext cx="575733" cy="575733"/>
+            </a:xfrm>
+            <a:prstGeom prst="roundRect">
+              <a:avLst/>
+            </a:prstGeom>
+            <a:solidFill>
+              <a:schemeClr val="accent3">
+                <a:lumMod val="40000"/>
+                <a:lumOff val="60000"/>
+              </a:schemeClr>
+            </a:solidFill>
+            <a:ln>
+              <a:noFill/>
+            </a:ln>
+          </p:spPr>
+          <p:style>
+            <a:lnRef idx="2">
+              <a:schemeClr val="accent1">
+                <a:shade val="50000"/>
+              </a:schemeClr>
+            </a:lnRef>
+            <a:fillRef idx="1">
+              <a:schemeClr val="accent1"/>
+            </a:fillRef>
+            <a:effectRef idx="0">
+              <a:schemeClr val="accent1"/>
+            </a:effectRef>
+            <a:fontRef idx="minor">
+              <a:schemeClr val="lt1"/>
+            </a:fontRef>
+          </p:style>
+          <p:txBody>
+            <a:bodyPr rtlCol="0" anchor="ctr"/>
+            <a:lstStyle/>
+            <a:p>
+              <a:pPr algn="ctr"/>
+              <a:r>
+                <a:rPr lang="en-US" sz="2000" dirty="0">
+                  <a:latin typeface="Inter Black" panose="02000A03000000020004" pitchFamily="50" charset="0"/>
+                  <a:ea typeface="Inter Black" panose="02000A03000000020004" pitchFamily="50" charset="0"/>
+                  <a:cs typeface="Inter Black" panose="02000A03000000020004" pitchFamily="50" charset="0"/>
+                </a:rPr>
+                <a:t>1</a:t>
+              </a:r>
+            </a:p>
+          </p:txBody>
+        </p:sp>
+        <p:sp>
+          <p:nvSpPr>
+            <p:cNvPr id="3" name="Rectangle: Rounded Corners 2">
+              <a:extLst>
+                <a:ext uri="{FF2B5EF4-FFF2-40B4-BE49-F238E27FC236}">
+                  <a16:creationId xmlns:a16="http://schemas.microsoft.com/office/drawing/2014/main" id="{D66DE520-8797-49E7-AF65-E5A3EB065AA0}"/>
+                </a:ext>
+              </a:extLst>
+            </p:cNvPr>
+            <p:cNvSpPr/>
+            <p:nvPr/>
+          </p:nvSpPr>
+          <p:spPr>
+            <a:xfrm>
+              <a:off x="8340512" y="4322234"/>
+              <a:ext cx="575733" cy="575733"/>
+            </a:xfrm>
+            <a:prstGeom prst="roundRect">
+              <a:avLst/>
+            </a:prstGeom>
+            <a:solidFill>
+              <a:srgbClr val="38BDF8"/>
+            </a:solidFill>
+            <a:ln w="19050">
+              <a:solidFill>
+                <a:schemeClr val="bg1"/>
+              </a:solidFill>
+            </a:ln>
+          </p:spPr>
+          <p:style>
+            <a:lnRef idx="2">
+              <a:schemeClr val="accent1">
+                <a:shade val="50000"/>
+              </a:schemeClr>
+            </a:lnRef>
+            <a:fillRef idx="1">
+              <a:schemeClr val="accent1"/>
+            </a:fillRef>
+            <a:effectRef idx="0">
+              <a:schemeClr val="accent1"/>
+            </a:effectRef>
+            <a:fontRef idx="minor">
+              <a:schemeClr val="lt1"/>
+            </a:fontRef>
+          </p:style>
+          <p:txBody>
+            <a:bodyPr rtlCol="0" anchor="ctr"/>
+            <a:lstStyle/>
+            <a:p>
+              <a:pPr algn="ctr"/>
+              <a:r>
+                <a:rPr lang="en-US" sz="2000" dirty="0">
+                  <a:latin typeface="Inter Black" panose="02000A03000000020004" pitchFamily="50" charset="0"/>
+                  <a:ea typeface="Inter Black" panose="02000A03000000020004" pitchFamily="50" charset="0"/>
+                  <a:cs typeface="Inter Black" panose="02000A03000000020004" pitchFamily="50" charset="0"/>
+                </a:rPr>
+                <a:t>1</a:t>
+              </a:r>
+            </a:p>
+          </p:txBody>
+        </p:sp>
+      </p:grpSp>
     </p:spTree>
     <p:extLst>
       <p:ext uri="{BB962C8B-B14F-4D97-AF65-F5344CB8AC3E}">
@@ -6359,6 +6508,150 @@
                 <a:ea typeface="Inter V Black" panose="02000503000000020004" pitchFamily="2" charset="0"/>
                 <a:cs typeface="Inter V Black" panose="02000503000000020004" pitchFamily="2" charset="0"/>
               </a:endParaRPr>
+            </a:p>
+          </p:txBody>
+        </p:sp>
+      </p:grpSp>
+      <p:grpSp>
+        <p:nvGrpSpPr>
+          <p:cNvPr id="23" name="Group 22">
+            <a:extLst>
+              <a:ext uri="{FF2B5EF4-FFF2-40B4-BE49-F238E27FC236}">
+                <a16:creationId xmlns:a16="http://schemas.microsoft.com/office/drawing/2014/main" id="{102B3F9F-9E0F-4540-B9F3-E0649A6AAE51}"/>
+              </a:ext>
+            </a:extLst>
+          </p:cNvPr>
+          <p:cNvGrpSpPr/>
+          <p:nvPr/>
+        </p:nvGrpSpPr>
+        <p:grpSpPr>
+          <a:xfrm>
+            <a:off x="8340512" y="4322234"/>
+            <a:ext cx="642086" cy="637403"/>
+            <a:chOff x="8340512" y="4322234"/>
+            <a:chExt cx="642086" cy="637403"/>
+          </a:xfrm>
+        </p:grpSpPr>
+        <p:sp>
+          <p:nvSpPr>
+            <p:cNvPr id="24" name="Rectangle: Rounded Corners 23">
+              <a:extLst>
+                <a:ext uri="{FF2B5EF4-FFF2-40B4-BE49-F238E27FC236}">
+                  <a16:creationId xmlns:a16="http://schemas.microsoft.com/office/drawing/2014/main" id="{96489956-DB40-4AF3-8F2C-6EEC6E71A61E}"/>
+                </a:ext>
+              </a:extLst>
+            </p:cNvPr>
+            <p:cNvSpPr/>
+            <p:nvPr/>
+          </p:nvSpPr>
+          <p:spPr>
+            <a:xfrm>
+              <a:off x="8406865" y="4383904"/>
+              <a:ext cx="575733" cy="575733"/>
+            </a:xfrm>
+            <a:prstGeom prst="roundRect">
+              <a:avLst/>
+            </a:prstGeom>
+            <a:solidFill>
+              <a:schemeClr val="accent3">
+                <a:lumMod val="40000"/>
+                <a:lumOff val="60000"/>
+              </a:schemeClr>
+            </a:solidFill>
+            <a:ln>
+              <a:noFill/>
+            </a:ln>
+          </p:spPr>
+          <p:style>
+            <a:lnRef idx="2">
+              <a:schemeClr val="accent1">
+                <a:shade val="50000"/>
+              </a:schemeClr>
+            </a:lnRef>
+            <a:fillRef idx="1">
+              <a:schemeClr val="accent1"/>
+            </a:fillRef>
+            <a:effectRef idx="0">
+              <a:schemeClr val="accent1"/>
+            </a:effectRef>
+            <a:fontRef idx="minor">
+              <a:schemeClr val="lt1"/>
+            </a:fontRef>
+          </p:style>
+          <p:txBody>
+            <a:bodyPr rtlCol="0" anchor="ctr"/>
+            <a:lstStyle/>
+            <a:p>
+              <a:pPr algn="ctr"/>
+              <a:r>
+                <a:rPr lang="en-US" sz="2000" dirty="0">
+                  <a:latin typeface="Inter Black" panose="02000A03000000020004" pitchFamily="50" charset="0"/>
+                  <a:ea typeface="Inter Black" panose="02000A03000000020004" pitchFamily="50" charset="0"/>
+                  <a:cs typeface="Inter Black" panose="02000A03000000020004" pitchFamily="50" charset="0"/>
+                </a:rPr>
+                <a:t>1</a:t>
+              </a:r>
+            </a:p>
+          </p:txBody>
+        </p:sp>
+        <p:sp>
+          <p:nvSpPr>
+            <p:cNvPr id="26" name="Rectangle: Rounded Corners 25">
+              <a:extLst>
+                <a:ext uri="{FF2B5EF4-FFF2-40B4-BE49-F238E27FC236}">
+                  <a16:creationId xmlns:a16="http://schemas.microsoft.com/office/drawing/2014/main" id="{F068219F-2C46-4F97-93F0-F6B0ED4EEC83}"/>
+                </a:ext>
+              </a:extLst>
+            </p:cNvPr>
+            <p:cNvSpPr/>
+            <p:nvPr/>
+          </p:nvSpPr>
+          <p:spPr>
+            <a:xfrm>
+              <a:off x="8340512" y="4322234"/>
+              <a:ext cx="575733" cy="575733"/>
+            </a:xfrm>
+            <a:prstGeom prst="roundRect">
+              <a:avLst/>
+            </a:prstGeom>
+            <a:solidFill>
+              <a:srgbClr val="38BDF8"/>
+            </a:solidFill>
+            <a:ln w="19050">
+              <a:solidFill>
+                <a:schemeClr val="bg1"/>
+              </a:solidFill>
+            </a:ln>
+          </p:spPr>
+          <p:style>
+            <a:lnRef idx="2">
+              <a:schemeClr val="accent1">
+                <a:shade val="50000"/>
+              </a:schemeClr>
+            </a:lnRef>
+            <a:fillRef idx="1">
+              <a:schemeClr val="accent1"/>
+            </a:fillRef>
+            <a:effectRef idx="0">
+              <a:schemeClr val="accent1"/>
+            </a:effectRef>
+            <a:fontRef idx="minor">
+              <a:schemeClr val="lt1"/>
+            </a:fontRef>
+          </p:style>
+          <p:txBody>
+            <a:bodyPr rtlCol="0" anchor="ctr"/>
+            <a:lstStyle/>
+            <a:p>
+              <a:pPr algn="ctr"/>
+              <a:r>
+                <a:rPr lang="en-US" sz="2000" dirty="0">
+                  <a:latin typeface="Inter Black" panose="02000A03000000020004" pitchFamily="50" charset="0"/>
+                  <a:ea typeface="Inter Black" panose="02000A03000000020004" pitchFamily="50" charset="0"/>
+                  <a:cs typeface="Inter Black" panose="02000A03000000020004" pitchFamily="50" charset="0"/>
+                </a:rPr>
+                <a:t>6</a:t>
+              </a:r>
             </a:p>
           </p:txBody>
         </p:sp>
@@ -7729,6 +8022,150 @@
           </a:p>
         </p:txBody>
       </p:sp>
+      <p:grpSp>
+        <p:nvGrpSpPr>
+          <p:cNvPr id="22" name="Group 21">
+            <a:extLst>
+              <a:ext uri="{FF2B5EF4-FFF2-40B4-BE49-F238E27FC236}">
+                <a16:creationId xmlns:a16="http://schemas.microsoft.com/office/drawing/2014/main" id="{292A7782-D619-45DC-9636-EF6E447BBE99}"/>
+              </a:ext>
+            </a:extLst>
+          </p:cNvPr>
+          <p:cNvGrpSpPr/>
+          <p:nvPr/>
+        </p:nvGrpSpPr>
+        <p:grpSpPr>
+          <a:xfrm>
+            <a:off x="8340512" y="4322234"/>
+            <a:ext cx="642086" cy="637403"/>
+            <a:chOff x="8340512" y="4322234"/>
+            <a:chExt cx="642086" cy="637403"/>
+          </a:xfrm>
+        </p:grpSpPr>
+        <p:sp>
+          <p:nvSpPr>
+            <p:cNvPr id="23" name="Rectangle: Rounded Corners 22">
+              <a:extLst>
+                <a:ext uri="{FF2B5EF4-FFF2-40B4-BE49-F238E27FC236}">
+                  <a16:creationId xmlns:a16="http://schemas.microsoft.com/office/drawing/2014/main" id="{986C0FDD-A650-4A9F-8760-D5D7997FF9AD}"/>
+                </a:ext>
+              </a:extLst>
+            </p:cNvPr>
+            <p:cNvSpPr/>
+            <p:nvPr/>
+          </p:nvSpPr>
+          <p:spPr>
+            <a:xfrm>
+              <a:off x="8406865" y="4383904"/>
+              <a:ext cx="575733" cy="575733"/>
+            </a:xfrm>
+            <a:prstGeom prst="roundRect">
+              <a:avLst/>
+            </a:prstGeom>
+            <a:solidFill>
+              <a:schemeClr val="accent3">
+                <a:lumMod val="40000"/>
+                <a:lumOff val="60000"/>
+              </a:schemeClr>
+            </a:solidFill>
+            <a:ln>
+              <a:noFill/>
+            </a:ln>
+          </p:spPr>
+          <p:style>
+            <a:lnRef idx="2">
+              <a:schemeClr val="accent1">
+                <a:shade val="50000"/>
+              </a:schemeClr>
+            </a:lnRef>
+            <a:fillRef idx="1">
+              <a:schemeClr val="accent1"/>
+            </a:fillRef>
+            <a:effectRef idx="0">
+              <a:schemeClr val="accent1"/>
+            </a:effectRef>
+            <a:fontRef idx="minor">
+              <a:schemeClr val="lt1"/>
+            </a:fontRef>
+          </p:style>
+          <p:txBody>
+            <a:bodyPr rtlCol="0" anchor="ctr"/>
+            <a:lstStyle/>
+            <a:p>
+              <a:pPr algn="ctr"/>
+              <a:r>
+                <a:rPr lang="en-US" sz="2000" dirty="0">
+                  <a:latin typeface="Inter Black" panose="02000A03000000020004" pitchFamily="50" charset="0"/>
+                  <a:ea typeface="Inter Black" panose="02000A03000000020004" pitchFamily="50" charset="0"/>
+                  <a:cs typeface="Inter Black" panose="02000A03000000020004" pitchFamily="50" charset="0"/>
+                </a:rPr>
+                <a:t>1</a:t>
+              </a:r>
+            </a:p>
+          </p:txBody>
+        </p:sp>
+        <p:sp>
+          <p:nvSpPr>
+            <p:cNvPr id="25" name="Rectangle: Rounded Corners 24">
+              <a:extLst>
+                <a:ext uri="{FF2B5EF4-FFF2-40B4-BE49-F238E27FC236}">
+                  <a16:creationId xmlns:a16="http://schemas.microsoft.com/office/drawing/2014/main" id="{DE10068D-9165-42D0-B0B7-8F5D3A5B74FF}"/>
+                </a:ext>
+              </a:extLst>
+            </p:cNvPr>
+            <p:cNvSpPr/>
+            <p:nvPr/>
+          </p:nvSpPr>
+          <p:spPr>
+            <a:xfrm>
+              <a:off x="8340512" y="4322234"/>
+              <a:ext cx="575733" cy="575733"/>
+            </a:xfrm>
+            <a:prstGeom prst="roundRect">
+              <a:avLst/>
+            </a:prstGeom>
+            <a:solidFill>
+              <a:srgbClr val="38BDF8"/>
+            </a:solidFill>
+            <a:ln w="19050">
+              <a:solidFill>
+                <a:schemeClr val="bg1"/>
+              </a:solidFill>
+            </a:ln>
+          </p:spPr>
+          <p:style>
+            <a:lnRef idx="2">
+              <a:schemeClr val="accent1">
+                <a:shade val="50000"/>
+              </a:schemeClr>
+            </a:lnRef>
+            <a:fillRef idx="1">
+              <a:schemeClr val="accent1"/>
+            </a:fillRef>
+            <a:effectRef idx="0">
+              <a:schemeClr val="accent1"/>
+            </a:effectRef>
+            <a:fontRef idx="minor">
+              <a:schemeClr val="lt1"/>
+            </a:fontRef>
+          </p:style>
+          <p:txBody>
+            <a:bodyPr rtlCol="0" anchor="ctr"/>
+            <a:lstStyle/>
+            <a:p>
+              <a:pPr algn="ctr"/>
+              <a:r>
+                <a:rPr lang="en-US" sz="2000" dirty="0">
+                  <a:latin typeface="Inter Black" panose="02000A03000000020004" pitchFamily="50" charset="0"/>
+                  <a:ea typeface="Inter Black" panose="02000A03000000020004" pitchFamily="50" charset="0"/>
+                  <a:cs typeface="Inter Black" panose="02000A03000000020004" pitchFamily="50" charset="0"/>
+                </a:rPr>
+                <a:t>7</a:t>
+              </a:r>
+            </a:p>
+          </p:txBody>
+        </p:sp>
+      </p:grpSp>
     </p:spTree>
     <p:extLst>
       <p:ext uri="{BB962C8B-B14F-4D97-AF65-F5344CB8AC3E}">
@@ -7933,6 +8370,150 @@
           </a:p>
         </p:txBody>
       </p:sp>
+      <p:grpSp>
+        <p:nvGrpSpPr>
+          <p:cNvPr id="6" name="Group 5">
+            <a:extLst>
+              <a:ext uri="{FF2B5EF4-FFF2-40B4-BE49-F238E27FC236}">
+                <a16:creationId xmlns:a16="http://schemas.microsoft.com/office/drawing/2014/main" id="{D6A01E8B-2561-4522-B4AB-C24D725E3E8D}"/>
+              </a:ext>
+            </a:extLst>
+          </p:cNvPr>
+          <p:cNvGrpSpPr/>
+          <p:nvPr/>
+        </p:nvGrpSpPr>
+        <p:grpSpPr>
+          <a:xfrm>
+            <a:off x="8340512" y="4322234"/>
+            <a:ext cx="642086" cy="637403"/>
+            <a:chOff x="8340512" y="4322234"/>
+            <a:chExt cx="642086" cy="637403"/>
+          </a:xfrm>
+        </p:grpSpPr>
+        <p:sp>
+          <p:nvSpPr>
+            <p:cNvPr id="7" name="Rectangle: Rounded Corners 6">
+              <a:extLst>
+                <a:ext uri="{FF2B5EF4-FFF2-40B4-BE49-F238E27FC236}">
+                  <a16:creationId xmlns:a16="http://schemas.microsoft.com/office/drawing/2014/main" id="{0CFA26B4-B81F-4F42-9FE6-F5A412F95930}"/>
+                </a:ext>
+              </a:extLst>
+            </p:cNvPr>
+            <p:cNvSpPr/>
+            <p:nvPr/>
+          </p:nvSpPr>
+          <p:spPr>
+            <a:xfrm>
+              <a:off x="8406865" y="4383904"/>
+              <a:ext cx="575733" cy="575733"/>
+            </a:xfrm>
+            <a:prstGeom prst="roundRect">
+              <a:avLst/>
+            </a:prstGeom>
+            <a:solidFill>
+              <a:schemeClr val="accent3">
+                <a:lumMod val="40000"/>
+                <a:lumOff val="60000"/>
+              </a:schemeClr>
+            </a:solidFill>
+            <a:ln>
+              <a:noFill/>
+            </a:ln>
+          </p:spPr>
+          <p:style>
+            <a:lnRef idx="2">
+              <a:schemeClr val="accent1">
+                <a:shade val="50000"/>
+              </a:schemeClr>
+            </a:lnRef>
+            <a:fillRef idx="1">
+              <a:schemeClr val="accent1"/>
+            </a:fillRef>
+            <a:effectRef idx="0">
+              <a:schemeClr val="accent1"/>
+            </a:effectRef>
+            <a:fontRef idx="minor">
+              <a:schemeClr val="lt1"/>
+            </a:fontRef>
+          </p:style>
+          <p:txBody>
+            <a:bodyPr rtlCol="0" anchor="ctr"/>
+            <a:lstStyle/>
+            <a:p>
+              <a:pPr algn="ctr"/>
+              <a:r>
+                <a:rPr lang="en-US" sz="2000" dirty="0">
+                  <a:latin typeface="Inter Black" panose="02000A03000000020004" pitchFamily="50" charset="0"/>
+                  <a:ea typeface="Inter Black" panose="02000A03000000020004" pitchFamily="50" charset="0"/>
+                  <a:cs typeface="Inter Black" panose="02000A03000000020004" pitchFamily="50" charset="0"/>
+                </a:rPr>
+                <a:t>1</a:t>
+              </a:r>
+            </a:p>
+          </p:txBody>
+        </p:sp>
+        <p:sp>
+          <p:nvSpPr>
+            <p:cNvPr id="8" name="Rectangle: Rounded Corners 7">
+              <a:extLst>
+                <a:ext uri="{FF2B5EF4-FFF2-40B4-BE49-F238E27FC236}">
+                  <a16:creationId xmlns:a16="http://schemas.microsoft.com/office/drawing/2014/main" id="{60BC14A0-9FD0-46A5-9810-DEF5EEF86793}"/>
+                </a:ext>
+              </a:extLst>
+            </p:cNvPr>
+            <p:cNvSpPr/>
+            <p:nvPr/>
+          </p:nvSpPr>
+          <p:spPr>
+            <a:xfrm>
+              <a:off x="8340512" y="4322234"/>
+              <a:ext cx="575733" cy="575733"/>
+            </a:xfrm>
+            <a:prstGeom prst="roundRect">
+              <a:avLst/>
+            </a:prstGeom>
+            <a:solidFill>
+              <a:srgbClr val="38BDF8"/>
+            </a:solidFill>
+            <a:ln w="19050">
+              <a:solidFill>
+                <a:schemeClr val="bg1"/>
+              </a:solidFill>
+            </a:ln>
+          </p:spPr>
+          <p:style>
+            <a:lnRef idx="2">
+              <a:schemeClr val="accent1">
+                <a:shade val="50000"/>
+              </a:schemeClr>
+            </a:lnRef>
+            <a:fillRef idx="1">
+              <a:schemeClr val="accent1"/>
+            </a:fillRef>
+            <a:effectRef idx="0">
+              <a:schemeClr val="accent1"/>
+            </a:effectRef>
+            <a:fontRef idx="minor">
+              <a:schemeClr val="lt1"/>
+            </a:fontRef>
+          </p:style>
+          <p:txBody>
+            <a:bodyPr rtlCol="0" anchor="ctr"/>
+            <a:lstStyle/>
+            <a:p>
+              <a:pPr algn="ctr"/>
+              <a:r>
+                <a:rPr lang="en-US" sz="2000" dirty="0">
+                  <a:latin typeface="Inter Black" panose="02000A03000000020004" pitchFamily="50" charset="0"/>
+                  <a:ea typeface="Inter Black" panose="02000A03000000020004" pitchFamily="50" charset="0"/>
+                  <a:cs typeface="Inter Black" panose="02000A03000000020004" pitchFamily="50" charset="0"/>
+                </a:rPr>
+                <a:t>8</a:t>
+              </a:r>
+            </a:p>
+          </p:txBody>
+        </p:sp>
+      </p:grpSp>
     </p:spTree>
     <p:extLst>
       <p:ext uri="{BB962C8B-B14F-4D97-AF65-F5344CB8AC3E}">
@@ -8184,6 +8765,150 @@
           </a:p>
         </p:txBody>
       </p:sp>
+      <p:grpSp>
+        <p:nvGrpSpPr>
+          <p:cNvPr id="4" name="Group 3">
+            <a:extLst>
+              <a:ext uri="{FF2B5EF4-FFF2-40B4-BE49-F238E27FC236}">
+                <a16:creationId xmlns:a16="http://schemas.microsoft.com/office/drawing/2014/main" id="{7937F79A-C375-4EB6-8CC9-047AE4B27B7E}"/>
+              </a:ext>
+            </a:extLst>
+          </p:cNvPr>
+          <p:cNvGrpSpPr/>
+          <p:nvPr/>
+        </p:nvGrpSpPr>
+        <p:grpSpPr>
+          <a:xfrm>
+            <a:off x="8340512" y="4322234"/>
+            <a:ext cx="642086" cy="637403"/>
+            <a:chOff x="8340512" y="4322234"/>
+            <a:chExt cx="642086" cy="637403"/>
+          </a:xfrm>
+        </p:grpSpPr>
+        <p:sp>
+          <p:nvSpPr>
+            <p:cNvPr id="7" name="Rectangle: Rounded Corners 6">
+              <a:extLst>
+                <a:ext uri="{FF2B5EF4-FFF2-40B4-BE49-F238E27FC236}">
+                  <a16:creationId xmlns:a16="http://schemas.microsoft.com/office/drawing/2014/main" id="{0D3C4B63-E489-45C6-91D4-401A6D7FEBF4}"/>
+                </a:ext>
+              </a:extLst>
+            </p:cNvPr>
+            <p:cNvSpPr/>
+            <p:nvPr/>
+          </p:nvSpPr>
+          <p:spPr>
+            <a:xfrm>
+              <a:off x="8406865" y="4383904"/>
+              <a:ext cx="575733" cy="575733"/>
+            </a:xfrm>
+            <a:prstGeom prst="roundRect">
+              <a:avLst/>
+            </a:prstGeom>
+            <a:solidFill>
+              <a:schemeClr val="accent3">
+                <a:lumMod val="40000"/>
+                <a:lumOff val="60000"/>
+              </a:schemeClr>
+            </a:solidFill>
+            <a:ln>
+              <a:noFill/>
+            </a:ln>
+          </p:spPr>
+          <p:style>
+            <a:lnRef idx="2">
+              <a:schemeClr val="accent1">
+                <a:shade val="50000"/>
+              </a:schemeClr>
+            </a:lnRef>
+            <a:fillRef idx="1">
+              <a:schemeClr val="accent1"/>
+            </a:fillRef>
+            <a:effectRef idx="0">
+              <a:schemeClr val="accent1"/>
+            </a:effectRef>
+            <a:fontRef idx="minor">
+              <a:schemeClr val="lt1"/>
+            </a:fontRef>
+          </p:style>
+          <p:txBody>
+            <a:bodyPr rtlCol="0" anchor="ctr"/>
+            <a:lstStyle/>
+            <a:p>
+              <a:pPr algn="ctr"/>
+              <a:r>
+                <a:rPr lang="en-US" sz="2000" dirty="0">
+                  <a:latin typeface="Inter Black" panose="02000A03000000020004" pitchFamily="50" charset="0"/>
+                  <a:ea typeface="Inter Black" panose="02000A03000000020004" pitchFamily="50" charset="0"/>
+                  <a:cs typeface="Inter Black" panose="02000A03000000020004" pitchFamily="50" charset="0"/>
+                </a:rPr>
+                <a:t>1</a:t>
+              </a:r>
+            </a:p>
+          </p:txBody>
+        </p:sp>
+        <p:sp>
+          <p:nvSpPr>
+            <p:cNvPr id="8" name="Rectangle: Rounded Corners 7">
+              <a:extLst>
+                <a:ext uri="{FF2B5EF4-FFF2-40B4-BE49-F238E27FC236}">
+                  <a16:creationId xmlns:a16="http://schemas.microsoft.com/office/drawing/2014/main" id="{7D9FC27F-4166-4108-913D-54730427AD2D}"/>
+                </a:ext>
+              </a:extLst>
+            </p:cNvPr>
+            <p:cNvSpPr/>
+            <p:nvPr/>
+          </p:nvSpPr>
+          <p:spPr>
+            <a:xfrm>
+              <a:off x="8340512" y="4322234"/>
+              <a:ext cx="575733" cy="575733"/>
+            </a:xfrm>
+            <a:prstGeom prst="roundRect">
+              <a:avLst/>
+            </a:prstGeom>
+            <a:solidFill>
+              <a:srgbClr val="38BDF8"/>
+            </a:solidFill>
+            <a:ln w="19050">
+              <a:solidFill>
+                <a:schemeClr val="bg1"/>
+              </a:solidFill>
+            </a:ln>
+          </p:spPr>
+          <p:style>
+            <a:lnRef idx="2">
+              <a:schemeClr val="accent1">
+                <a:shade val="50000"/>
+              </a:schemeClr>
+            </a:lnRef>
+            <a:fillRef idx="1">
+              <a:schemeClr val="accent1"/>
+            </a:fillRef>
+            <a:effectRef idx="0">
+              <a:schemeClr val="accent1"/>
+            </a:effectRef>
+            <a:fontRef idx="minor">
+              <a:schemeClr val="lt1"/>
+            </a:fontRef>
+          </p:style>
+          <p:txBody>
+            <a:bodyPr rtlCol="0" anchor="ctr"/>
+            <a:lstStyle/>
+            <a:p>
+              <a:pPr algn="ctr"/>
+              <a:r>
+                <a:rPr lang="en-US" sz="2000" dirty="0">
+                  <a:latin typeface="Inter Black" panose="02000A03000000020004" pitchFamily="50" charset="0"/>
+                  <a:ea typeface="Inter Black" panose="02000A03000000020004" pitchFamily="50" charset="0"/>
+                  <a:cs typeface="Inter Black" panose="02000A03000000020004" pitchFamily="50" charset="0"/>
+                </a:rPr>
+                <a:t>9</a:t>
+              </a:r>
+            </a:p>
+          </p:txBody>
+        </p:sp>
+      </p:grpSp>
     </p:spTree>
     <p:extLst>
       <p:ext uri="{BB962C8B-B14F-4D97-AF65-F5344CB8AC3E}">
@@ -8503,6 +9228,150 @@
           </a:prstGeom>
         </p:spPr>
       </p:pic>
+      <p:grpSp>
+        <p:nvGrpSpPr>
+          <p:cNvPr id="6" name="Group 5">
+            <a:extLst>
+              <a:ext uri="{FF2B5EF4-FFF2-40B4-BE49-F238E27FC236}">
+                <a16:creationId xmlns:a16="http://schemas.microsoft.com/office/drawing/2014/main" id="{685C8A7D-FBCB-46E8-8666-62483A3DBA9D}"/>
+              </a:ext>
+            </a:extLst>
+          </p:cNvPr>
+          <p:cNvGrpSpPr/>
+          <p:nvPr/>
+        </p:nvGrpSpPr>
+        <p:grpSpPr>
+          <a:xfrm>
+            <a:off x="8340512" y="4322234"/>
+            <a:ext cx="642086" cy="637403"/>
+            <a:chOff x="8340512" y="4322234"/>
+            <a:chExt cx="642086" cy="637403"/>
+          </a:xfrm>
+        </p:grpSpPr>
+        <p:sp>
+          <p:nvSpPr>
+            <p:cNvPr id="7" name="Rectangle: Rounded Corners 6">
+              <a:extLst>
+                <a:ext uri="{FF2B5EF4-FFF2-40B4-BE49-F238E27FC236}">
+                  <a16:creationId xmlns:a16="http://schemas.microsoft.com/office/drawing/2014/main" id="{DA3F3656-4A7D-4C38-990D-1CAA816DBE49}"/>
+                </a:ext>
+              </a:extLst>
+            </p:cNvPr>
+            <p:cNvSpPr/>
+            <p:nvPr/>
+          </p:nvSpPr>
+          <p:spPr>
+            <a:xfrm>
+              <a:off x="8406865" y="4383904"/>
+              <a:ext cx="575733" cy="575733"/>
+            </a:xfrm>
+            <a:prstGeom prst="roundRect">
+              <a:avLst/>
+            </a:prstGeom>
+            <a:solidFill>
+              <a:schemeClr val="accent3">
+                <a:lumMod val="40000"/>
+                <a:lumOff val="60000"/>
+              </a:schemeClr>
+            </a:solidFill>
+            <a:ln>
+              <a:noFill/>
+            </a:ln>
+          </p:spPr>
+          <p:style>
+            <a:lnRef idx="2">
+              <a:schemeClr val="accent1">
+                <a:shade val="50000"/>
+              </a:schemeClr>
+            </a:lnRef>
+            <a:fillRef idx="1">
+              <a:schemeClr val="accent1"/>
+            </a:fillRef>
+            <a:effectRef idx="0">
+              <a:schemeClr val="accent1"/>
+            </a:effectRef>
+            <a:fontRef idx="minor">
+              <a:schemeClr val="lt1"/>
+            </a:fontRef>
+          </p:style>
+          <p:txBody>
+            <a:bodyPr rtlCol="0" anchor="ctr"/>
+            <a:lstStyle/>
+            <a:p>
+              <a:pPr algn="ctr"/>
+              <a:r>
+                <a:rPr lang="en-US" sz="2000" dirty="0">
+                  <a:latin typeface="Inter Black" panose="02000A03000000020004" pitchFamily="50" charset="0"/>
+                  <a:ea typeface="Inter Black" panose="02000A03000000020004" pitchFamily="50" charset="0"/>
+                  <a:cs typeface="Inter Black" panose="02000A03000000020004" pitchFamily="50" charset="0"/>
+                </a:rPr>
+                <a:t>1</a:t>
+              </a:r>
+            </a:p>
+          </p:txBody>
+        </p:sp>
+        <p:sp>
+          <p:nvSpPr>
+            <p:cNvPr id="8" name="Rectangle: Rounded Corners 7">
+              <a:extLst>
+                <a:ext uri="{FF2B5EF4-FFF2-40B4-BE49-F238E27FC236}">
+                  <a16:creationId xmlns:a16="http://schemas.microsoft.com/office/drawing/2014/main" id="{395F2576-3FBC-471B-9996-CE4906153215}"/>
+                </a:ext>
+              </a:extLst>
+            </p:cNvPr>
+            <p:cNvSpPr/>
+            <p:nvPr/>
+          </p:nvSpPr>
+          <p:spPr>
+            <a:xfrm>
+              <a:off x="8340512" y="4322234"/>
+              <a:ext cx="575733" cy="575733"/>
+            </a:xfrm>
+            <a:prstGeom prst="roundRect">
+              <a:avLst/>
+            </a:prstGeom>
+            <a:solidFill>
+              <a:srgbClr val="38BDF8"/>
+            </a:solidFill>
+            <a:ln w="19050">
+              <a:solidFill>
+                <a:schemeClr val="bg1"/>
+              </a:solidFill>
+            </a:ln>
+          </p:spPr>
+          <p:style>
+            <a:lnRef idx="2">
+              <a:schemeClr val="accent1">
+                <a:shade val="50000"/>
+              </a:schemeClr>
+            </a:lnRef>
+            <a:fillRef idx="1">
+              <a:schemeClr val="accent1"/>
+            </a:fillRef>
+            <a:effectRef idx="0">
+              <a:schemeClr val="accent1"/>
+            </a:effectRef>
+            <a:fontRef idx="minor">
+              <a:schemeClr val="lt1"/>
+            </a:fontRef>
+          </p:style>
+          <p:txBody>
+            <a:bodyPr rtlCol="0" anchor="ctr"/>
+            <a:lstStyle/>
+            <a:p>
+              <a:pPr algn="ctr"/>
+              <a:r>
+                <a:rPr lang="en-US" sz="2000" dirty="0">
+                  <a:latin typeface="Inter Black" panose="02000A03000000020004" pitchFamily="50" charset="0"/>
+                  <a:ea typeface="Inter Black" panose="02000A03000000020004" pitchFamily="50" charset="0"/>
+                  <a:cs typeface="Inter Black" panose="02000A03000000020004" pitchFamily="50" charset="0"/>
+                </a:rPr>
+                <a:t>10</a:t>
+              </a:r>
+            </a:p>
+          </p:txBody>
+        </p:sp>
+      </p:grpSp>
     </p:spTree>
     <p:extLst>
       <p:ext uri="{BB962C8B-B14F-4D97-AF65-F5344CB8AC3E}">
@@ -8698,6 +9567,150 @@
           </a:p>
         </p:txBody>
       </p:sp>
+      <p:grpSp>
+        <p:nvGrpSpPr>
+          <p:cNvPr id="6" name="Group 5">
+            <a:extLst>
+              <a:ext uri="{FF2B5EF4-FFF2-40B4-BE49-F238E27FC236}">
+                <a16:creationId xmlns:a16="http://schemas.microsoft.com/office/drawing/2014/main" id="{56BD1369-21C5-4882-BD16-379AE3E16B2B}"/>
+              </a:ext>
+            </a:extLst>
+          </p:cNvPr>
+          <p:cNvGrpSpPr/>
+          <p:nvPr/>
+        </p:nvGrpSpPr>
+        <p:grpSpPr>
+          <a:xfrm>
+            <a:off x="8340512" y="4322234"/>
+            <a:ext cx="642086" cy="637403"/>
+            <a:chOff x="8340512" y="4322234"/>
+            <a:chExt cx="642086" cy="637403"/>
+          </a:xfrm>
+        </p:grpSpPr>
+        <p:sp>
+          <p:nvSpPr>
+            <p:cNvPr id="7" name="Rectangle: Rounded Corners 6">
+              <a:extLst>
+                <a:ext uri="{FF2B5EF4-FFF2-40B4-BE49-F238E27FC236}">
+                  <a16:creationId xmlns:a16="http://schemas.microsoft.com/office/drawing/2014/main" id="{5F7BA1E6-17EA-4A0A-BAE6-9B008D04100E}"/>
+                </a:ext>
+              </a:extLst>
+            </p:cNvPr>
+            <p:cNvSpPr/>
+            <p:nvPr/>
+          </p:nvSpPr>
+          <p:spPr>
+            <a:xfrm>
+              <a:off x="8406865" y="4383904"/>
+              <a:ext cx="575733" cy="575733"/>
+            </a:xfrm>
+            <a:prstGeom prst="roundRect">
+              <a:avLst/>
+            </a:prstGeom>
+            <a:solidFill>
+              <a:schemeClr val="accent3">
+                <a:lumMod val="40000"/>
+                <a:lumOff val="60000"/>
+              </a:schemeClr>
+            </a:solidFill>
+            <a:ln>
+              <a:noFill/>
+            </a:ln>
+          </p:spPr>
+          <p:style>
+            <a:lnRef idx="2">
+              <a:schemeClr val="accent1">
+                <a:shade val="50000"/>
+              </a:schemeClr>
+            </a:lnRef>
+            <a:fillRef idx="1">
+              <a:schemeClr val="accent1"/>
+            </a:fillRef>
+            <a:effectRef idx="0">
+              <a:schemeClr val="accent1"/>
+            </a:effectRef>
+            <a:fontRef idx="minor">
+              <a:schemeClr val="lt1"/>
+            </a:fontRef>
+          </p:style>
+          <p:txBody>
+            <a:bodyPr rtlCol="0" anchor="ctr"/>
+            <a:lstStyle/>
+            <a:p>
+              <a:pPr algn="ctr"/>
+              <a:r>
+                <a:rPr lang="en-US" sz="2000" dirty="0">
+                  <a:latin typeface="Inter Black" panose="02000A03000000020004" pitchFamily="50" charset="0"/>
+                  <a:ea typeface="Inter Black" panose="02000A03000000020004" pitchFamily="50" charset="0"/>
+                  <a:cs typeface="Inter Black" panose="02000A03000000020004" pitchFamily="50" charset="0"/>
+                </a:rPr>
+                <a:t>1</a:t>
+              </a:r>
+            </a:p>
+          </p:txBody>
+        </p:sp>
+        <p:sp>
+          <p:nvSpPr>
+            <p:cNvPr id="8" name="Rectangle: Rounded Corners 7">
+              <a:extLst>
+                <a:ext uri="{FF2B5EF4-FFF2-40B4-BE49-F238E27FC236}">
+                  <a16:creationId xmlns:a16="http://schemas.microsoft.com/office/drawing/2014/main" id="{FE2F2989-4C22-4EEC-ADE5-C20089393511}"/>
+                </a:ext>
+              </a:extLst>
+            </p:cNvPr>
+            <p:cNvSpPr/>
+            <p:nvPr/>
+          </p:nvSpPr>
+          <p:spPr>
+            <a:xfrm>
+              <a:off x="8340512" y="4322234"/>
+              <a:ext cx="575733" cy="575733"/>
+            </a:xfrm>
+            <a:prstGeom prst="roundRect">
+              <a:avLst/>
+            </a:prstGeom>
+            <a:solidFill>
+              <a:srgbClr val="38BDF8"/>
+            </a:solidFill>
+            <a:ln w="19050">
+              <a:solidFill>
+                <a:schemeClr val="bg1"/>
+              </a:solidFill>
+            </a:ln>
+          </p:spPr>
+          <p:style>
+            <a:lnRef idx="2">
+              <a:schemeClr val="accent1">
+                <a:shade val="50000"/>
+              </a:schemeClr>
+            </a:lnRef>
+            <a:fillRef idx="1">
+              <a:schemeClr val="accent1"/>
+            </a:fillRef>
+            <a:effectRef idx="0">
+              <a:schemeClr val="accent1"/>
+            </a:effectRef>
+            <a:fontRef idx="minor">
+              <a:schemeClr val="lt1"/>
+            </a:fontRef>
+          </p:style>
+          <p:txBody>
+            <a:bodyPr rtlCol="0" anchor="ctr"/>
+            <a:lstStyle/>
+            <a:p>
+              <a:pPr algn="ctr"/>
+              <a:r>
+                <a:rPr lang="en-US" sz="2000" dirty="0">
+                  <a:latin typeface="Inter Black" panose="02000A03000000020004" pitchFamily="50" charset="0"/>
+                  <a:ea typeface="Inter Black" panose="02000A03000000020004" pitchFamily="50" charset="0"/>
+                  <a:cs typeface="Inter Black" panose="02000A03000000020004" pitchFamily="50" charset="0"/>
+                </a:rPr>
+                <a:t>11</a:t>
+              </a:r>
+            </a:p>
+          </p:txBody>
+        </p:sp>
+      </p:grpSp>
     </p:spTree>
     <p:extLst>
       <p:ext uri="{BB962C8B-B14F-4D97-AF65-F5344CB8AC3E}">
@@ -10995,6 +12008,150 @@
           </a:p>
         </p:txBody>
       </p:sp>
+      <p:grpSp>
+        <p:nvGrpSpPr>
+          <p:cNvPr id="20" name="Group 19">
+            <a:extLst>
+              <a:ext uri="{FF2B5EF4-FFF2-40B4-BE49-F238E27FC236}">
+                <a16:creationId xmlns:a16="http://schemas.microsoft.com/office/drawing/2014/main" id="{1DB70270-B035-45BE-8740-F7102EE47DD6}"/>
+              </a:ext>
+            </a:extLst>
+          </p:cNvPr>
+          <p:cNvGrpSpPr/>
+          <p:nvPr/>
+        </p:nvGrpSpPr>
+        <p:grpSpPr>
+          <a:xfrm>
+            <a:off x="8340512" y="4322234"/>
+            <a:ext cx="642086" cy="637403"/>
+            <a:chOff x="8340512" y="4322234"/>
+            <a:chExt cx="642086" cy="637403"/>
+          </a:xfrm>
+        </p:grpSpPr>
+        <p:sp>
+          <p:nvSpPr>
+            <p:cNvPr id="21" name="Rectangle: Rounded Corners 20">
+              <a:extLst>
+                <a:ext uri="{FF2B5EF4-FFF2-40B4-BE49-F238E27FC236}">
+                  <a16:creationId xmlns:a16="http://schemas.microsoft.com/office/drawing/2014/main" id="{40A3142C-F1BC-49CD-A5B1-CEAD36CDF226}"/>
+                </a:ext>
+              </a:extLst>
+            </p:cNvPr>
+            <p:cNvSpPr/>
+            <p:nvPr/>
+          </p:nvSpPr>
+          <p:spPr>
+            <a:xfrm>
+              <a:off x="8406865" y="4383904"/>
+              <a:ext cx="575733" cy="575733"/>
+            </a:xfrm>
+            <a:prstGeom prst="roundRect">
+              <a:avLst/>
+            </a:prstGeom>
+            <a:solidFill>
+              <a:schemeClr val="accent3">
+                <a:lumMod val="40000"/>
+                <a:lumOff val="60000"/>
+              </a:schemeClr>
+            </a:solidFill>
+            <a:ln>
+              <a:noFill/>
+            </a:ln>
+          </p:spPr>
+          <p:style>
+            <a:lnRef idx="2">
+              <a:schemeClr val="accent1">
+                <a:shade val="50000"/>
+              </a:schemeClr>
+            </a:lnRef>
+            <a:fillRef idx="1">
+              <a:schemeClr val="accent1"/>
+            </a:fillRef>
+            <a:effectRef idx="0">
+              <a:schemeClr val="accent1"/>
+            </a:effectRef>
+            <a:fontRef idx="minor">
+              <a:schemeClr val="lt1"/>
+            </a:fontRef>
+          </p:style>
+          <p:txBody>
+            <a:bodyPr rtlCol="0" anchor="ctr"/>
+            <a:lstStyle/>
+            <a:p>
+              <a:pPr algn="ctr"/>
+              <a:r>
+                <a:rPr lang="en-US" sz="2000" dirty="0">
+                  <a:latin typeface="Inter Black" panose="02000A03000000020004" pitchFamily="50" charset="0"/>
+                  <a:ea typeface="Inter Black" panose="02000A03000000020004" pitchFamily="50" charset="0"/>
+                  <a:cs typeface="Inter Black" panose="02000A03000000020004" pitchFamily="50" charset="0"/>
+                </a:rPr>
+                <a:t>1</a:t>
+              </a:r>
+            </a:p>
+          </p:txBody>
+        </p:sp>
+        <p:sp>
+          <p:nvSpPr>
+            <p:cNvPr id="22" name="Rectangle: Rounded Corners 21">
+              <a:extLst>
+                <a:ext uri="{FF2B5EF4-FFF2-40B4-BE49-F238E27FC236}">
+                  <a16:creationId xmlns:a16="http://schemas.microsoft.com/office/drawing/2014/main" id="{9830EC66-FB9F-4A45-9297-C52A218F6C57}"/>
+                </a:ext>
+              </a:extLst>
+            </p:cNvPr>
+            <p:cNvSpPr/>
+            <p:nvPr/>
+          </p:nvSpPr>
+          <p:spPr>
+            <a:xfrm>
+              <a:off x="8340512" y="4322234"/>
+              <a:ext cx="575733" cy="575733"/>
+            </a:xfrm>
+            <a:prstGeom prst="roundRect">
+              <a:avLst/>
+            </a:prstGeom>
+            <a:solidFill>
+              <a:srgbClr val="38BDF8"/>
+            </a:solidFill>
+            <a:ln w="19050">
+              <a:solidFill>
+                <a:schemeClr val="bg1"/>
+              </a:solidFill>
+            </a:ln>
+          </p:spPr>
+          <p:style>
+            <a:lnRef idx="2">
+              <a:schemeClr val="accent1">
+                <a:shade val="50000"/>
+              </a:schemeClr>
+            </a:lnRef>
+            <a:fillRef idx="1">
+              <a:schemeClr val="accent1"/>
+            </a:fillRef>
+            <a:effectRef idx="0">
+              <a:schemeClr val="accent1"/>
+            </a:effectRef>
+            <a:fontRef idx="minor">
+              <a:schemeClr val="lt1"/>
+            </a:fontRef>
+          </p:style>
+          <p:txBody>
+            <a:bodyPr rtlCol="0" anchor="ctr"/>
+            <a:lstStyle/>
+            <a:p>
+              <a:pPr algn="ctr"/>
+              <a:r>
+                <a:rPr lang="en-US" sz="2000" dirty="0">
+                  <a:latin typeface="Inter Black" panose="02000A03000000020004" pitchFamily="50" charset="0"/>
+                  <a:ea typeface="Inter Black" panose="02000A03000000020004" pitchFamily="50" charset="0"/>
+                  <a:cs typeface="Inter Black" panose="02000A03000000020004" pitchFamily="50" charset="0"/>
+                </a:rPr>
+                <a:t>12</a:t>
+              </a:r>
+            </a:p>
+          </p:txBody>
+        </p:sp>
+      </p:grpSp>
     </p:spTree>
     <p:extLst>
       <p:ext uri="{BB962C8B-B14F-4D97-AF65-F5344CB8AC3E}">
@@ -13194,6 +14351,150 @@
           </a:p>
         </p:txBody>
       </p:sp>
+      <p:grpSp>
+        <p:nvGrpSpPr>
+          <p:cNvPr id="20" name="Group 19">
+            <a:extLst>
+              <a:ext uri="{FF2B5EF4-FFF2-40B4-BE49-F238E27FC236}">
+                <a16:creationId xmlns:a16="http://schemas.microsoft.com/office/drawing/2014/main" id="{FB2437E0-3364-40A8-896F-04C68E75669B}"/>
+              </a:ext>
+            </a:extLst>
+          </p:cNvPr>
+          <p:cNvGrpSpPr/>
+          <p:nvPr/>
+        </p:nvGrpSpPr>
+        <p:grpSpPr>
+          <a:xfrm>
+            <a:off x="8340512" y="4322234"/>
+            <a:ext cx="642086" cy="637403"/>
+            <a:chOff x="8340512" y="4322234"/>
+            <a:chExt cx="642086" cy="637403"/>
+          </a:xfrm>
+        </p:grpSpPr>
+        <p:sp>
+          <p:nvSpPr>
+            <p:cNvPr id="21" name="Rectangle: Rounded Corners 20">
+              <a:extLst>
+                <a:ext uri="{FF2B5EF4-FFF2-40B4-BE49-F238E27FC236}">
+                  <a16:creationId xmlns:a16="http://schemas.microsoft.com/office/drawing/2014/main" id="{9F12C5C9-8479-483F-897E-F0551A9B8724}"/>
+                </a:ext>
+              </a:extLst>
+            </p:cNvPr>
+            <p:cNvSpPr/>
+            <p:nvPr/>
+          </p:nvSpPr>
+          <p:spPr>
+            <a:xfrm>
+              <a:off x="8406865" y="4383904"/>
+              <a:ext cx="575733" cy="575733"/>
+            </a:xfrm>
+            <a:prstGeom prst="roundRect">
+              <a:avLst/>
+            </a:prstGeom>
+            <a:solidFill>
+              <a:schemeClr val="accent3">
+                <a:lumMod val="40000"/>
+                <a:lumOff val="60000"/>
+              </a:schemeClr>
+            </a:solidFill>
+            <a:ln>
+              <a:noFill/>
+            </a:ln>
+          </p:spPr>
+          <p:style>
+            <a:lnRef idx="2">
+              <a:schemeClr val="accent1">
+                <a:shade val="50000"/>
+              </a:schemeClr>
+            </a:lnRef>
+            <a:fillRef idx="1">
+              <a:schemeClr val="accent1"/>
+            </a:fillRef>
+            <a:effectRef idx="0">
+              <a:schemeClr val="accent1"/>
+            </a:effectRef>
+            <a:fontRef idx="minor">
+              <a:schemeClr val="lt1"/>
+            </a:fontRef>
+          </p:style>
+          <p:txBody>
+            <a:bodyPr rtlCol="0" anchor="ctr"/>
+            <a:lstStyle/>
+            <a:p>
+              <a:pPr algn="ctr"/>
+              <a:r>
+                <a:rPr lang="en-US" sz="2000" dirty="0">
+                  <a:latin typeface="Inter Black" panose="02000A03000000020004" pitchFamily="50" charset="0"/>
+                  <a:ea typeface="Inter Black" panose="02000A03000000020004" pitchFamily="50" charset="0"/>
+                  <a:cs typeface="Inter Black" panose="02000A03000000020004" pitchFamily="50" charset="0"/>
+                </a:rPr>
+                <a:t>1</a:t>
+              </a:r>
+            </a:p>
+          </p:txBody>
+        </p:sp>
+        <p:sp>
+          <p:nvSpPr>
+            <p:cNvPr id="22" name="Rectangle: Rounded Corners 21">
+              <a:extLst>
+                <a:ext uri="{FF2B5EF4-FFF2-40B4-BE49-F238E27FC236}">
+                  <a16:creationId xmlns:a16="http://schemas.microsoft.com/office/drawing/2014/main" id="{EC1E8596-6CEF-423F-96FC-37B8DC8FA8CA}"/>
+                </a:ext>
+              </a:extLst>
+            </p:cNvPr>
+            <p:cNvSpPr/>
+            <p:nvPr/>
+          </p:nvSpPr>
+          <p:spPr>
+            <a:xfrm>
+              <a:off x="8340512" y="4322234"/>
+              <a:ext cx="575733" cy="575733"/>
+            </a:xfrm>
+            <a:prstGeom prst="roundRect">
+              <a:avLst/>
+            </a:prstGeom>
+            <a:solidFill>
+              <a:srgbClr val="38BDF8"/>
+            </a:solidFill>
+            <a:ln w="19050">
+              <a:solidFill>
+                <a:schemeClr val="bg1"/>
+              </a:solidFill>
+            </a:ln>
+          </p:spPr>
+          <p:style>
+            <a:lnRef idx="2">
+              <a:schemeClr val="accent1">
+                <a:shade val="50000"/>
+              </a:schemeClr>
+            </a:lnRef>
+            <a:fillRef idx="1">
+              <a:schemeClr val="accent1"/>
+            </a:fillRef>
+            <a:effectRef idx="0">
+              <a:schemeClr val="accent1"/>
+            </a:effectRef>
+            <a:fontRef idx="minor">
+              <a:schemeClr val="lt1"/>
+            </a:fontRef>
+          </p:style>
+          <p:txBody>
+            <a:bodyPr rtlCol="0" anchor="ctr"/>
+            <a:lstStyle/>
+            <a:p>
+              <a:pPr algn="ctr"/>
+              <a:r>
+                <a:rPr lang="en-US" sz="2000" dirty="0">
+                  <a:latin typeface="Inter Black" panose="02000A03000000020004" pitchFamily="50" charset="0"/>
+                  <a:ea typeface="Inter Black" panose="02000A03000000020004" pitchFamily="50" charset="0"/>
+                  <a:cs typeface="Inter Black" panose="02000A03000000020004" pitchFamily="50" charset="0"/>
+                </a:rPr>
+                <a:t>12</a:t>
+              </a:r>
+            </a:p>
+          </p:txBody>
+        </p:sp>
+      </p:grpSp>
     </p:spTree>
     <p:extLst>
       <p:ext uri="{BB962C8B-B14F-4D97-AF65-F5344CB8AC3E}">
@@ -13398,6 +14699,150 @@
           </a:p>
         </p:txBody>
       </p:sp>
+      <p:grpSp>
+        <p:nvGrpSpPr>
+          <p:cNvPr id="6" name="Group 5">
+            <a:extLst>
+              <a:ext uri="{FF2B5EF4-FFF2-40B4-BE49-F238E27FC236}">
+                <a16:creationId xmlns:a16="http://schemas.microsoft.com/office/drawing/2014/main" id="{041879F1-8AC7-4913-9186-A26F49721C57}"/>
+              </a:ext>
+            </a:extLst>
+          </p:cNvPr>
+          <p:cNvGrpSpPr/>
+          <p:nvPr/>
+        </p:nvGrpSpPr>
+        <p:grpSpPr>
+          <a:xfrm>
+            <a:off x="8340512" y="4322234"/>
+            <a:ext cx="642086" cy="637403"/>
+            <a:chOff x="8340512" y="4322234"/>
+            <a:chExt cx="642086" cy="637403"/>
+          </a:xfrm>
+        </p:grpSpPr>
+        <p:sp>
+          <p:nvSpPr>
+            <p:cNvPr id="7" name="Rectangle: Rounded Corners 6">
+              <a:extLst>
+                <a:ext uri="{FF2B5EF4-FFF2-40B4-BE49-F238E27FC236}">
+                  <a16:creationId xmlns:a16="http://schemas.microsoft.com/office/drawing/2014/main" id="{D339C0E4-6014-4765-B926-72989DF218B6}"/>
+                </a:ext>
+              </a:extLst>
+            </p:cNvPr>
+            <p:cNvSpPr/>
+            <p:nvPr/>
+          </p:nvSpPr>
+          <p:spPr>
+            <a:xfrm>
+              <a:off x="8406865" y="4383904"/>
+              <a:ext cx="575733" cy="575733"/>
+            </a:xfrm>
+            <a:prstGeom prst="roundRect">
+              <a:avLst/>
+            </a:prstGeom>
+            <a:solidFill>
+              <a:schemeClr val="accent3">
+                <a:lumMod val="40000"/>
+                <a:lumOff val="60000"/>
+              </a:schemeClr>
+            </a:solidFill>
+            <a:ln>
+              <a:noFill/>
+            </a:ln>
+          </p:spPr>
+          <p:style>
+            <a:lnRef idx="2">
+              <a:schemeClr val="accent1">
+                <a:shade val="50000"/>
+              </a:schemeClr>
+            </a:lnRef>
+            <a:fillRef idx="1">
+              <a:schemeClr val="accent1"/>
+            </a:fillRef>
+            <a:effectRef idx="0">
+              <a:schemeClr val="accent1"/>
+            </a:effectRef>
+            <a:fontRef idx="minor">
+              <a:schemeClr val="lt1"/>
+            </a:fontRef>
+          </p:style>
+          <p:txBody>
+            <a:bodyPr rtlCol="0" anchor="ctr"/>
+            <a:lstStyle/>
+            <a:p>
+              <a:pPr algn="ctr"/>
+              <a:r>
+                <a:rPr lang="en-US" sz="2000" dirty="0">
+                  <a:latin typeface="Inter Black" panose="02000A03000000020004" pitchFamily="50" charset="0"/>
+                  <a:ea typeface="Inter Black" panose="02000A03000000020004" pitchFamily="50" charset="0"/>
+                  <a:cs typeface="Inter Black" panose="02000A03000000020004" pitchFamily="50" charset="0"/>
+                </a:rPr>
+                <a:t>1</a:t>
+              </a:r>
+            </a:p>
+          </p:txBody>
+        </p:sp>
+        <p:sp>
+          <p:nvSpPr>
+            <p:cNvPr id="8" name="Rectangle: Rounded Corners 7">
+              <a:extLst>
+                <a:ext uri="{FF2B5EF4-FFF2-40B4-BE49-F238E27FC236}">
+                  <a16:creationId xmlns:a16="http://schemas.microsoft.com/office/drawing/2014/main" id="{FCC378F6-F5D1-4552-86ED-49367AFACDA7}"/>
+                </a:ext>
+              </a:extLst>
+            </p:cNvPr>
+            <p:cNvSpPr/>
+            <p:nvPr/>
+          </p:nvSpPr>
+          <p:spPr>
+            <a:xfrm>
+              <a:off x="8340512" y="4322234"/>
+              <a:ext cx="575733" cy="575733"/>
+            </a:xfrm>
+            <a:prstGeom prst="roundRect">
+              <a:avLst/>
+            </a:prstGeom>
+            <a:solidFill>
+              <a:srgbClr val="38BDF8"/>
+            </a:solidFill>
+            <a:ln w="19050">
+              <a:solidFill>
+                <a:schemeClr val="bg1"/>
+              </a:solidFill>
+            </a:ln>
+          </p:spPr>
+          <p:style>
+            <a:lnRef idx="2">
+              <a:schemeClr val="accent1">
+                <a:shade val="50000"/>
+              </a:schemeClr>
+            </a:lnRef>
+            <a:fillRef idx="1">
+              <a:schemeClr val="accent1"/>
+            </a:fillRef>
+            <a:effectRef idx="0">
+              <a:schemeClr val="accent1"/>
+            </a:effectRef>
+            <a:fontRef idx="minor">
+              <a:schemeClr val="lt1"/>
+            </a:fontRef>
+          </p:style>
+          <p:txBody>
+            <a:bodyPr rtlCol="0" anchor="ctr"/>
+            <a:lstStyle/>
+            <a:p>
+              <a:pPr algn="ctr"/>
+              <a:r>
+                <a:rPr lang="en-US" sz="2000" dirty="0">
+                  <a:latin typeface="Inter Black" panose="02000A03000000020004" pitchFamily="50" charset="0"/>
+                  <a:ea typeface="Inter Black" panose="02000A03000000020004" pitchFamily="50" charset="0"/>
+                  <a:cs typeface="Inter Black" panose="02000A03000000020004" pitchFamily="50" charset="0"/>
+                </a:rPr>
+                <a:t>13</a:t>
+              </a:r>
+            </a:p>
+          </p:txBody>
+        </p:sp>
+      </p:grpSp>
     </p:spTree>
     <p:extLst>
       <p:ext uri="{BB962C8B-B14F-4D97-AF65-F5344CB8AC3E}">
@@ -13906,6 +15351,150 @@
           </a:p>
         </p:txBody>
       </p:sp>
+      <p:grpSp>
+        <p:nvGrpSpPr>
+          <p:cNvPr id="4" name="Group 3">
+            <a:extLst>
+              <a:ext uri="{FF2B5EF4-FFF2-40B4-BE49-F238E27FC236}">
+                <a16:creationId xmlns:a16="http://schemas.microsoft.com/office/drawing/2014/main" id="{DDC9B054-04B9-49A7-8083-4E3FCADFCE0F}"/>
+              </a:ext>
+            </a:extLst>
+          </p:cNvPr>
+          <p:cNvGrpSpPr/>
+          <p:nvPr/>
+        </p:nvGrpSpPr>
+        <p:grpSpPr>
+          <a:xfrm>
+            <a:off x="8340512" y="4322234"/>
+            <a:ext cx="642086" cy="637403"/>
+            <a:chOff x="8340512" y="4322234"/>
+            <a:chExt cx="642086" cy="637403"/>
+          </a:xfrm>
+        </p:grpSpPr>
+        <p:sp>
+          <p:nvSpPr>
+            <p:cNvPr id="7" name="Rectangle: Rounded Corners 6">
+              <a:extLst>
+                <a:ext uri="{FF2B5EF4-FFF2-40B4-BE49-F238E27FC236}">
+                  <a16:creationId xmlns:a16="http://schemas.microsoft.com/office/drawing/2014/main" id="{75B78672-B45F-4165-8449-C7CEAF718D34}"/>
+                </a:ext>
+              </a:extLst>
+            </p:cNvPr>
+            <p:cNvSpPr/>
+            <p:nvPr/>
+          </p:nvSpPr>
+          <p:spPr>
+            <a:xfrm>
+              <a:off x="8406865" y="4383904"/>
+              <a:ext cx="575733" cy="575733"/>
+            </a:xfrm>
+            <a:prstGeom prst="roundRect">
+              <a:avLst/>
+            </a:prstGeom>
+            <a:solidFill>
+              <a:schemeClr val="accent3">
+                <a:lumMod val="40000"/>
+                <a:lumOff val="60000"/>
+              </a:schemeClr>
+            </a:solidFill>
+            <a:ln>
+              <a:noFill/>
+            </a:ln>
+          </p:spPr>
+          <p:style>
+            <a:lnRef idx="2">
+              <a:schemeClr val="accent1">
+                <a:shade val="50000"/>
+              </a:schemeClr>
+            </a:lnRef>
+            <a:fillRef idx="1">
+              <a:schemeClr val="accent1"/>
+            </a:fillRef>
+            <a:effectRef idx="0">
+              <a:schemeClr val="accent1"/>
+            </a:effectRef>
+            <a:fontRef idx="minor">
+              <a:schemeClr val="lt1"/>
+            </a:fontRef>
+          </p:style>
+          <p:txBody>
+            <a:bodyPr rtlCol="0" anchor="ctr"/>
+            <a:lstStyle/>
+            <a:p>
+              <a:pPr algn="ctr"/>
+              <a:r>
+                <a:rPr lang="en-US" sz="2000" dirty="0">
+                  <a:latin typeface="Inter Black" panose="02000A03000000020004" pitchFamily="50" charset="0"/>
+                  <a:ea typeface="Inter Black" panose="02000A03000000020004" pitchFamily="50" charset="0"/>
+                  <a:cs typeface="Inter Black" panose="02000A03000000020004" pitchFamily="50" charset="0"/>
+                </a:rPr>
+                <a:t>1</a:t>
+              </a:r>
+            </a:p>
+          </p:txBody>
+        </p:sp>
+        <p:sp>
+          <p:nvSpPr>
+            <p:cNvPr id="8" name="Rectangle: Rounded Corners 7">
+              <a:extLst>
+                <a:ext uri="{FF2B5EF4-FFF2-40B4-BE49-F238E27FC236}">
+                  <a16:creationId xmlns:a16="http://schemas.microsoft.com/office/drawing/2014/main" id="{9A06956A-B711-4DBC-B92F-F65FF5EF8E3A}"/>
+                </a:ext>
+              </a:extLst>
+            </p:cNvPr>
+            <p:cNvSpPr/>
+            <p:nvPr/>
+          </p:nvSpPr>
+          <p:spPr>
+            <a:xfrm>
+              <a:off x="8340512" y="4322234"/>
+              <a:ext cx="575733" cy="575733"/>
+            </a:xfrm>
+            <a:prstGeom prst="roundRect">
+              <a:avLst/>
+            </a:prstGeom>
+            <a:solidFill>
+              <a:srgbClr val="38BDF8"/>
+            </a:solidFill>
+            <a:ln w="19050">
+              <a:solidFill>
+                <a:schemeClr val="bg1"/>
+              </a:solidFill>
+            </a:ln>
+          </p:spPr>
+          <p:style>
+            <a:lnRef idx="2">
+              <a:schemeClr val="accent1">
+                <a:shade val="50000"/>
+              </a:schemeClr>
+            </a:lnRef>
+            <a:fillRef idx="1">
+              <a:schemeClr val="accent1"/>
+            </a:fillRef>
+            <a:effectRef idx="0">
+              <a:schemeClr val="accent1"/>
+            </a:effectRef>
+            <a:fontRef idx="minor">
+              <a:schemeClr val="lt1"/>
+            </a:fontRef>
+          </p:style>
+          <p:txBody>
+            <a:bodyPr rtlCol="0" anchor="ctr"/>
+            <a:lstStyle/>
+            <a:p>
+              <a:pPr algn="ctr"/>
+              <a:r>
+                <a:rPr lang="en-US" sz="2000" dirty="0">
+                  <a:latin typeface="Inter Black" panose="02000A03000000020004" pitchFamily="50" charset="0"/>
+                  <a:ea typeface="Inter Black" panose="02000A03000000020004" pitchFamily="50" charset="0"/>
+                  <a:cs typeface="Inter Black" panose="02000A03000000020004" pitchFamily="50" charset="0"/>
+                </a:rPr>
+                <a:t>14</a:t>
+              </a:r>
+            </a:p>
+          </p:txBody>
+        </p:sp>
+      </p:grpSp>
     </p:spTree>
     <p:extLst>
       <p:ext uri="{BB962C8B-B14F-4D97-AF65-F5344CB8AC3E}">
@@ -14405,6 +15994,150 @@
           </a:fontRef>
         </p:style>
       </p:cxnSp>
+      <p:grpSp>
+        <p:nvGrpSpPr>
+          <p:cNvPr id="14" name="Group 13">
+            <a:extLst>
+              <a:ext uri="{FF2B5EF4-FFF2-40B4-BE49-F238E27FC236}">
+                <a16:creationId xmlns:a16="http://schemas.microsoft.com/office/drawing/2014/main" id="{8855B454-9DBF-4A71-A6EE-5EB91705EE31}"/>
+              </a:ext>
+            </a:extLst>
+          </p:cNvPr>
+          <p:cNvGrpSpPr/>
+          <p:nvPr/>
+        </p:nvGrpSpPr>
+        <p:grpSpPr>
+          <a:xfrm>
+            <a:off x="8340512" y="4322234"/>
+            <a:ext cx="642086" cy="637403"/>
+            <a:chOff x="8340512" y="4322234"/>
+            <a:chExt cx="642086" cy="637403"/>
+          </a:xfrm>
+        </p:grpSpPr>
+        <p:sp>
+          <p:nvSpPr>
+            <p:cNvPr id="15" name="Rectangle: Rounded Corners 14">
+              <a:extLst>
+                <a:ext uri="{FF2B5EF4-FFF2-40B4-BE49-F238E27FC236}">
+                  <a16:creationId xmlns:a16="http://schemas.microsoft.com/office/drawing/2014/main" id="{2321E1FC-57E9-4D74-8232-818999C85871}"/>
+                </a:ext>
+              </a:extLst>
+            </p:cNvPr>
+            <p:cNvSpPr/>
+            <p:nvPr/>
+          </p:nvSpPr>
+          <p:spPr>
+            <a:xfrm>
+              <a:off x="8406865" y="4383904"/>
+              <a:ext cx="575733" cy="575733"/>
+            </a:xfrm>
+            <a:prstGeom prst="roundRect">
+              <a:avLst/>
+            </a:prstGeom>
+            <a:solidFill>
+              <a:schemeClr val="accent3">
+                <a:lumMod val="40000"/>
+                <a:lumOff val="60000"/>
+              </a:schemeClr>
+            </a:solidFill>
+            <a:ln>
+              <a:noFill/>
+            </a:ln>
+          </p:spPr>
+          <p:style>
+            <a:lnRef idx="2">
+              <a:schemeClr val="accent1">
+                <a:shade val="50000"/>
+              </a:schemeClr>
+            </a:lnRef>
+            <a:fillRef idx="1">
+              <a:schemeClr val="accent1"/>
+            </a:fillRef>
+            <a:effectRef idx="0">
+              <a:schemeClr val="accent1"/>
+            </a:effectRef>
+            <a:fontRef idx="minor">
+              <a:schemeClr val="lt1"/>
+            </a:fontRef>
+          </p:style>
+          <p:txBody>
+            <a:bodyPr rtlCol="0" anchor="ctr"/>
+            <a:lstStyle/>
+            <a:p>
+              <a:pPr algn="ctr"/>
+              <a:r>
+                <a:rPr lang="en-US" sz="2000" dirty="0">
+                  <a:latin typeface="Inter Black" panose="02000A03000000020004" pitchFamily="50" charset="0"/>
+                  <a:ea typeface="Inter Black" panose="02000A03000000020004" pitchFamily="50" charset="0"/>
+                  <a:cs typeface="Inter Black" panose="02000A03000000020004" pitchFamily="50" charset="0"/>
+                </a:rPr>
+                <a:t>1</a:t>
+              </a:r>
+            </a:p>
+          </p:txBody>
+        </p:sp>
+        <p:sp>
+          <p:nvSpPr>
+            <p:cNvPr id="16" name="Rectangle: Rounded Corners 15">
+              <a:extLst>
+                <a:ext uri="{FF2B5EF4-FFF2-40B4-BE49-F238E27FC236}">
+                  <a16:creationId xmlns:a16="http://schemas.microsoft.com/office/drawing/2014/main" id="{B21FEF75-A045-4D2A-998F-39C4E09DCD4A}"/>
+                </a:ext>
+              </a:extLst>
+            </p:cNvPr>
+            <p:cNvSpPr/>
+            <p:nvPr/>
+          </p:nvSpPr>
+          <p:spPr>
+            <a:xfrm>
+              <a:off x="8340512" y="4322234"/>
+              <a:ext cx="575733" cy="575733"/>
+            </a:xfrm>
+            <a:prstGeom prst="roundRect">
+              <a:avLst/>
+            </a:prstGeom>
+            <a:solidFill>
+              <a:srgbClr val="38BDF8"/>
+            </a:solidFill>
+            <a:ln w="19050">
+              <a:solidFill>
+                <a:schemeClr val="bg1"/>
+              </a:solidFill>
+            </a:ln>
+          </p:spPr>
+          <p:style>
+            <a:lnRef idx="2">
+              <a:schemeClr val="accent1">
+                <a:shade val="50000"/>
+              </a:schemeClr>
+            </a:lnRef>
+            <a:fillRef idx="1">
+              <a:schemeClr val="accent1"/>
+            </a:fillRef>
+            <a:effectRef idx="0">
+              <a:schemeClr val="accent1"/>
+            </a:effectRef>
+            <a:fontRef idx="minor">
+              <a:schemeClr val="lt1"/>
+            </a:fontRef>
+          </p:style>
+          <p:txBody>
+            <a:bodyPr rtlCol="0" anchor="ctr"/>
+            <a:lstStyle/>
+            <a:p>
+              <a:pPr algn="ctr"/>
+              <a:r>
+                <a:rPr lang="en-US" sz="2000" dirty="0">
+                  <a:latin typeface="Inter Black" panose="02000A03000000020004" pitchFamily="50" charset="0"/>
+                  <a:ea typeface="Inter Black" panose="02000A03000000020004" pitchFamily="50" charset="0"/>
+                  <a:cs typeface="Inter Black" panose="02000A03000000020004" pitchFamily="50" charset="0"/>
+                </a:rPr>
+                <a:t>2</a:t>
+              </a:r>
+            </a:p>
+          </p:txBody>
+        </p:sp>
+      </p:grpSp>
     </p:spTree>
   </p:cSld>
   <p:clrMapOvr>
@@ -14734,6 +16467,150 @@
           </a:p>
         </p:txBody>
       </p:sp>
+      <p:grpSp>
+        <p:nvGrpSpPr>
+          <p:cNvPr id="4" name="Group 3">
+            <a:extLst>
+              <a:ext uri="{FF2B5EF4-FFF2-40B4-BE49-F238E27FC236}">
+                <a16:creationId xmlns:a16="http://schemas.microsoft.com/office/drawing/2014/main" id="{E0BE5EB8-EBF6-4FA0-A35C-0DDA2A0A5A71}"/>
+              </a:ext>
+            </a:extLst>
+          </p:cNvPr>
+          <p:cNvGrpSpPr/>
+          <p:nvPr/>
+        </p:nvGrpSpPr>
+        <p:grpSpPr>
+          <a:xfrm>
+            <a:off x="8340512" y="4322234"/>
+            <a:ext cx="642086" cy="637403"/>
+            <a:chOff x="8340512" y="4322234"/>
+            <a:chExt cx="642086" cy="637403"/>
+          </a:xfrm>
+        </p:grpSpPr>
+        <p:sp>
+          <p:nvSpPr>
+            <p:cNvPr id="7" name="Rectangle: Rounded Corners 6">
+              <a:extLst>
+                <a:ext uri="{FF2B5EF4-FFF2-40B4-BE49-F238E27FC236}">
+                  <a16:creationId xmlns:a16="http://schemas.microsoft.com/office/drawing/2014/main" id="{0EE4BDF3-BECF-40D7-A17A-9C8F827B5BA7}"/>
+                </a:ext>
+              </a:extLst>
+            </p:cNvPr>
+            <p:cNvSpPr/>
+            <p:nvPr/>
+          </p:nvSpPr>
+          <p:spPr>
+            <a:xfrm>
+              <a:off x="8406865" y="4383904"/>
+              <a:ext cx="575733" cy="575733"/>
+            </a:xfrm>
+            <a:prstGeom prst="roundRect">
+              <a:avLst/>
+            </a:prstGeom>
+            <a:solidFill>
+              <a:schemeClr val="accent3">
+                <a:lumMod val="40000"/>
+                <a:lumOff val="60000"/>
+              </a:schemeClr>
+            </a:solidFill>
+            <a:ln>
+              <a:noFill/>
+            </a:ln>
+          </p:spPr>
+          <p:style>
+            <a:lnRef idx="2">
+              <a:schemeClr val="accent1">
+                <a:shade val="50000"/>
+              </a:schemeClr>
+            </a:lnRef>
+            <a:fillRef idx="1">
+              <a:schemeClr val="accent1"/>
+            </a:fillRef>
+            <a:effectRef idx="0">
+              <a:schemeClr val="accent1"/>
+            </a:effectRef>
+            <a:fontRef idx="minor">
+              <a:schemeClr val="lt1"/>
+            </a:fontRef>
+          </p:style>
+          <p:txBody>
+            <a:bodyPr rtlCol="0" anchor="ctr"/>
+            <a:lstStyle/>
+            <a:p>
+              <a:pPr algn="ctr"/>
+              <a:r>
+                <a:rPr lang="en-US" sz="2000" dirty="0">
+                  <a:latin typeface="Inter Black" panose="02000A03000000020004" pitchFamily="50" charset="0"/>
+                  <a:ea typeface="Inter Black" panose="02000A03000000020004" pitchFamily="50" charset="0"/>
+                  <a:cs typeface="Inter Black" panose="02000A03000000020004" pitchFamily="50" charset="0"/>
+                </a:rPr>
+                <a:t>1</a:t>
+              </a:r>
+            </a:p>
+          </p:txBody>
+        </p:sp>
+        <p:sp>
+          <p:nvSpPr>
+            <p:cNvPr id="8" name="Rectangle: Rounded Corners 7">
+              <a:extLst>
+                <a:ext uri="{FF2B5EF4-FFF2-40B4-BE49-F238E27FC236}">
+                  <a16:creationId xmlns:a16="http://schemas.microsoft.com/office/drawing/2014/main" id="{568C5D13-DCBF-4930-BD0E-AE944B6A2C83}"/>
+                </a:ext>
+              </a:extLst>
+            </p:cNvPr>
+            <p:cNvSpPr/>
+            <p:nvPr/>
+          </p:nvSpPr>
+          <p:spPr>
+            <a:xfrm>
+              <a:off x="8340512" y="4322234"/>
+              <a:ext cx="575733" cy="575733"/>
+            </a:xfrm>
+            <a:prstGeom prst="roundRect">
+              <a:avLst/>
+            </a:prstGeom>
+            <a:solidFill>
+              <a:srgbClr val="38BDF8"/>
+            </a:solidFill>
+            <a:ln w="19050">
+              <a:solidFill>
+                <a:schemeClr val="bg1"/>
+              </a:solidFill>
+            </a:ln>
+          </p:spPr>
+          <p:style>
+            <a:lnRef idx="2">
+              <a:schemeClr val="accent1">
+                <a:shade val="50000"/>
+              </a:schemeClr>
+            </a:lnRef>
+            <a:fillRef idx="1">
+              <a:schemeClr val="accent1"/>
+            </a:fillRef>
+            <a:effectRef idx="0">
+              <a:schemeClr val="accent1"/>
+            </a:effectRef>
+            <a:fontRef idx="minor">
+              <a:schemeClr val="lt1"/>
+            </a:fontRef>
+          </p:style>
+          <p:txBody>
+            <a:bodyPr rtlCol="0" anchor="ctr"/>
+            <a:lstStyle/>
+            <a:p>
+              <a:pPr algn="ctr"/>
+              <a:r>
+                <a:rPr lang="en-US" sz="2000" dirty="0">
+                  <a:latin typeface="Inter Black" panose="02000A03000000020004" pitchFamily="50" charset="0"/>
+                  <a:ea typeface="Inter Black" panose="02000A03000000020004" pitchFamily="50" charset="0"/>
+                  <a:cs typeface="Inter Black" panose="02000A03000000020004" pitchFamily="50" charset="0"/>
+                </a:rPr>
+                <a:t>15</a:t>
+              </a:r>
+            </a:p>
+          </p:txBody>
+        </p:sp>
+      </p:grpSp>
     </p:spTree>
     <p:extLst>
       <p:ext uri="{BB962C8B-B14F-4D97-AF65-F5344CB8AC3E}">
@@ -14938,6 +16815,150 @@
           </a:p>
         </p:txBody>
       </p:sp>
+      <p:grpSp>
+        <p:nvGrpSpPr>
+          <p:cNvPr id="6" name="Group 5">
+            <a:extLst>
+              <a:ext uri="{FF2B5EF4-FFF2-40B4-BE49-F238E27FC236}">
+                <a16:creationId xmlns:a16="http://schemas.microsoft.com/office/drawing/2014/main" id="{70A2B1FE-8B6C-4EA3-B2B3-0C0B14FCEF2E}"/>
+              </a:ext>
+            </a:extLst>
+          </p:cNvPr>
+          <p:cNvGrpSpPr/>
+          <p:nvPr/>
+        </p:nvGrpSpPr>
+        <p:grpSpPr>
+          <a:xfrm>
+            <a:off x="8340512" y="4322234"/>
+            <a:ext cx="642086" cy="637403"/>
+            <a:chOff x="8340512" y="4322234"/>
+            <a:chExt cx="642086" cy="637403"/>
+          </a:xfrm>
+        </p:grpSpPr>
+        <p:sp>
+          <p:nvSpPr>
+            <p:cNvPr id="7" name="Rectangle: Rounded Corners 6">
+              <a:extLst>
+                <a:ext uri="{FF2B5EF4-FFF2-40B4-BE49-F238E27FC236}">
+                  <a16:creationId xmlns:a16="http://schemas.microsoft.com/office/drawing/2014/main" id="{C0AC0A3C-B2E7-4F01-98A7-8569CF416778}"/>
+                </a:ext>
+              </a:extLst>
+            </p:cNvPr>
+            <p:cNvSpPr/>
+            <p:nvPr/>
+          </p:nvSpPr>
+          <p:spPr>
+            <a:xfrm>
+              <a:off x="8406865" y="4383904"/>
+              <a:ext cx="575733" cy="575733"/>
+            </a:xfrm>
+            <a:prstGeom prst="roundRect">
+              <a:avLst/>
+            </a:prstGeom>
+            <a:solidFill>
+              <a:schemeClr val="accent3">
+                <a:lumMod val="40000"/>
+                <a:lumOff val="60000"/>
+              </a:schemeClr>
+            </a:solidFill>
+            <a:ln>
+              <a:noFill/>
+            </a:ln>
+          </p:spPr>
+          <p:style>
+            <a:lnRef idx="2">
+              <a:schemeClr val="accent1">
+                <a:shade val="50000"/>
+              </a:schemeClr>
+            </a:lnRef>
+            <a:fillRef idx="1">
+              <a:schemeClr val="accent1"/>
+            </a:fillRef>
+            <a:effectRef idx="0">
+              <a:schemeClr val="accent1"/>
+            </a:effectRef>
+            <a:fontRef idx="minor">
+              <a:schemeClr val="lt1"/>
+            </a:fontRef>
+          </p:style>
+          <p:txBody>
+            <a:bodyPr rtlCol="0" anchor="ctr"/>
+            <a:lstStyle/>
+            <a:p>
+              <a:pPr algn="ctr"/>
+              <a:r>
+                <a:rPr lang="en-US" sz="2000" dirty="0">
+                  <a:latin typeface="Inter Black" panose="02000A03000000020004" pitchFamily="50" charset="0"/>
+                  <a:ea typeface="Inter Black" panose="02000A03000000020004" pitchFamily="50" charset="0"/>
+                  <a:cs typeface="Inter Black" panose="02000A03000000020004" pitchFamily="50" charset="0"/>
+                </a:rPr>
+                <a:t>1</a:t>
+              </a:r>
+            </a:p>
+          </p:txBody>
+        </p:sp>
+        <p:sp>
+          <p:nvSpPr>
+            <p:cNvPr id="8" name="Rectangle: Rounded Corners 7">
+              <a:extLst>
+                <a:ext uri="{FF2B5EF4-FFF2-40B4-BE49-F238E27FC236}">
+                  <a16:creationId xmlns:a16="http://schemas.microsoft.com/office/drawing/2014/main" id="{479A2744-B6CE-4442-847F-473F98C400B4}"/>
+                </a:ext>
+              </a:extLst>
+            </p:cNvPr>
+            <p:cNvSpPr/>
+            <p:nvPr/>
+          </p:nvSpPr>
+          <p:spPr>
+            <a:xfrm>
+              <a:off x="8340512" y="4322234"/>
+              <a:ext cx="575733" cy="575733"/>
+            </a:xfrm>
+            <a:prstGeom prst="roundRect">
+              <a:avLst/>
+            </a:prstGeom>
+            <a:solidFill>
+              <a:srgbClr val="38BDF8"/>
+            </a:solidFill>
+            <a:ln w="19050">
+              <a:solidFill>
+                <a:schemeClr val="bg1"/>
+              </a:solidFill>
+            </a:ln>
+          </p:spPr>
+          <p:style>
+            <a:lnRef idx="2">
+              <a:schemeClr val="accent1">
+                <a:shade val="50000"/>
+              </a:schemeClr>
+            </a:lnRef>
+            <a:fillRef idx="1">
+              <a:schemeClr val="accent1"/>
+            </a:fillRef>
+            <a:effectRef idx="0">
+              <a:schemeClr val="accent1"/>
+            </a:effectRef>
+            <a:fontRef idx="minor">
+              <a:schemeClr val="lt1"/>
+            </a:fontRef>
+          </p:style>
+          <p:txBody>
+            <a:bodyPr rtlCol="0" anchor="ctr"/>
+            <a:lstStyle/>
+            <a:p>
+              <a:pPr algn="ctr"/>
+              <a:r>
+                <a:rPr lang="en-US" sz="2000" dirty="0">
+                  <a:latin typeface="Inter Black" panose="02000A03000000020004" pitchFamily="50" charset="0"/>
+                  <a:ea typeface="Inter Black" panose="02000A03000000020004" pitchFamily="50" charset="0"/>
+                  <a:cs typeface="Inter Black" panose="02000A03000000020004" pitchFamily="50" charset="0"/>
+                </a:rPr>
+                <a:t>16</a:t>
+              </a:r>
+            </a:p>
+          </p:txBody>
+        </p:sp>
+      </p:grpSp>
     </p:spTree>
     <p:extLst>
       <p:ext uri="{BB962C8B-B14F-4D97-AF65-F5344CB8AC3E}">
@@ -17150,6 +19171,150 @@
           </p:txBody>
         </p:sp>
       </p:grpSp>
+      <p:grpSp>
+        <p:nvGrpSpPr>
+          <p:cNvPr id="23" name="Group 22">
+            <a:extLst>
+              <a:ext uri="{FF2B5EF4-FFF2-40B4-BE49-F238E27FC236}">
+                <a16:creationId xmlns:a16="http://schemas.microsoft.com/office/drawing/2014/main" id="{4FF7F2ED-19D4-4A57-9D71-29626F90D8F5}"/>
+              </a:ext>
+            </a:extLst>
+          </p:cNvPr>
+          <p:cNvGrpSpPr/>
+          <p:nvPr/>
+        </p:nvGrpSpPr>
+        <p:grpSpPr>
+          <a:xfrm>
+            <a:off x="8340512" y="4322234"/>
+            <a:ext cx="642086" cy="637403"/>
+            <a:chOff x="8340512" y="4322234"/>
+            <a:chExt cx="642086" cy="637403"/>
+          </a:xfrm>
+        </p:grpSpPr>
+        <p:sp>
+          <p:nvSpPr>
+            <p:cNvPr id="24" name="Rectangle: Rounded Corners 23">
+              <a:extLst>
+                <a:ext uri="{FF2B5EF4-FFF2-40B4-BE49-F238E27FC236}">
+                  <a16:creationId xmlns:a16="http://schemas.microsoft.com/office/drawing/2014/main" id="{99C6DD89-403D-4170-8848-E3CF243EC667}"/>
+                </a:ext>
+              </a:extLst>
+            </p:cNvPr>
+            <p:cNvSpPr/>
+            <p:nvPr/>
+          </p:nvSpPr>
+          <p:spPr>
+            <a:xfrm>
+              <a:off x="8406865" y="4383904"/>
+              <a:ext cx="575733" cy="575733"/>
+            </a:xfrm>
+            <a:prstGeom prst="roundRect">
+              <a:avLst/>
+            </a:prstGeom>
+            <a:solidFill>
+              <a:schemeClr val="accent3">
+                <a:lumMod val="40000"/>
+                <a:lumOff val="60000"/>
+              </a:schemeClr>
+            </a:solidFill>
+            <a:ln>
+              <a:noFill/>
+            </a:ln>
+          </p:spPr>
+          <p:style>
+            <a:lnRef idx="2">
+              <a:schemeClr val="accent1">
+                <a:shade val="50000"/>
+              </a:schemeClr>
+            </a:lnRef>
+            <a:fillRef idx="1">
+              <a:schemeClr val="accent1"/>
+            </a:fillRef>
+            <a:effectRef idx="0">
+              <a:schemeClr val="accent1"/>
+            </a:effectRef>
+            <a:fontRef idx="minor">
+              <a:schemeClr val="lt1"/>
+            </a:fontRef>
+          </p:style>
+          <p:txBody>
+            <a:bodyPr rtlCol="0" anchor="ctr"/>
+            <a:lstStyle/>
+            <a:p>
+              <a:pPr algn="ctr"/>
+              <a:r>
+                <a:rPr lang="en-US" sz="2000" dirty="0">
+                  <a:latin typeface="Inter Black" panose="02000A03000000020004" pitchFamily="50" charset="0"/>
+                  <a:ea typeface="Inter Black" panose="02000A03000000020004" pitchFamily="50" charset="0"/>
+                  <a:cs typeface="Inter Black" panose="02000A03000000020004" pitchFamily="50" charset="0"/>
+                </a:rPr>
+                <a:t>1</a:t>
+              </a:r>
+            </a:p>
+          </p:txBody>
+        </p:sp>
+        <p:sp>
+          <p:nvSpPr>
+            <p:cNvPr id="25" name="Rectangle: Rounded Corners 24">
+              <a:extLst>
+                <a:ext uri="{FF2B5EF4-FFF2-40B4-BE49-F238E27FC236}">
+                  <a16:creationId xmlns:a16="http://schemas.microsoft.com/office/drawing/2014/main" id="{B8088F82-52D6-41F6-BDB7-B4B15DB4E465}"/>
+                </a:ext>
+              </a:extLst>
+            </p:cNvPr>
+            <p:cNvSpPr/>
+            <p:nvPr/>
+          </p:nvSpPr>
+          <p:spPr>
+            <a:xfrm>
+              <a:off x="8340512" y="4322234"/>
+              <a:ext cx="575733" cy="575733"/>
+            </a:xfrm>
+            <a:prstGeom prst="roundRect">
+              <a:avLst/>
+            </a:prstGeom>
+            <a:solidFill>
+              <a:srgbClr val="38BDF8"/>
+            </a:solidFill>
+            <a:ln w="19050">
+              <a:solidFill>
+                <a:schemeClr val="bg1"/>
+              </a:solidFill>
+            </a:ln>
+          </p:spPr>
+          <p:style>
+            <a:lnRef idx="2">
+              <a:schemeClr val="accent1">
+                <a:shade val="50000"/>
+              </a:schemeClr>
+            </a:lnRef>
+            <a:fillRef idx="1">
+              <a:schemeClr val="accent1"/>
+            </a:fillRef>
+            <a:effectRef idx="0">
+              <a:schemeClr val="accent1"/>
+            </a:effectRef>
+            <a:fontRef idx="minor">
+              <a:schemeClr val="lt1"/>
+            </a:fontRef>
+          </p:style>
+          <p:txBody>
+            <a:bodyPr rtlCol="0" anchor="ctr"/>
+            <a:lstStyle/>
+            <a:p>
+              <a:pPr algn="ctr"/>
+              <a:r>
+                <a:rPr lang="en-US" sz="2000" dirty="0">
+                  <a:latin typeface="Inter Black" panose="02000A03000000020004" pitchFamily="50" charset="0"/>
+                  <a:ea typeface="Inter Black" panose="02000A03000000020004" pitchFamily="50" charset="0"/>
+                  <a:cs typeface="Inter Black" panose="02000A03000000020004" pitchFamily="50" charset="0"/>
+                </a:rPr>
+                <a:t>3</a:t>
+              </a:r>
+            </a:p>
+          </p:txBody>
+        </p:sp>
+      </p:grpSp>
     </p:spTree>
     <p:extLst>
       <p:ext uri="{BB962C8B-B14F-4D97-AF65-F5344CB8AC3E}">
@@ -19353,6 +21518,150 @@
           </p:txBody>
         </p:sp>
       </p:grpSp>
+      <p:grpSp>
+        <p:nvGrpSpPr>
+          <p:cNvPr id="23" name="Group 22">
+            <a:extLst>
+              <a:ext uri="{FF2B5EF4-FFF2-40B4-BE49-F238E27FC236}">
+                <a16:creationId xmlns:a16="http://schemas.microsoft.com/office/drawing/2014/main" id="{6211C9C6-1A6E-427E-9D3A-52A746D1236A}"/>
+              </a:ext>
+            </a:extLst>
+          </p:cNvPr>
+          <p:cNvGrpSpPr/>
+          <p:nvPr/>
+        </p:nvGrpSpPr>
+        <p:grpSpPr>
+          <a:xfrm>
+            <a:off x="8340512" y="4322234"/>
+            <a:ext cx="642086" cy="637403"/>
+            <a:chOff x="8340512" y="4322234"/>
+            <a:chExt cx="642086" cy="637403"/>
+          </a:xfrm>
+        </p:grpSpPr>
+        <p:sp>
+          <p:nvSpPr>
+            <p:cNvPr id="24" name="Rectangle: Rounded Corners 23">
+              <a:extLst>
+                <a:ext uri="{FF2B5EF4-FFF2-40B4-BE49-F238E27FC236}">
+                  <a16:creationId xmlns:a16="http://schemas.microsoft.com/office/drawing/2014/main" id="{2A0A02C3-23BF-4B1E-9DFA-020240867A84}"/>
+                </a:ext>
+              </a:extLst>
+            </p:cNvPr>
+            <p:cNvSpPr/>
+            <p:nvPr/>
+          </p:nvSpPr>
+          <p:spPr>
+            <a:xfrm>
+              <a:off x="8406865" y="4383904"/>
+              <a:ext cx="575733" cy="575733"/>
+            </a:xfrm>
+            <a:prstGeom prst="roundRect">
+              <a:avLst/>
+            </a:prstGeom>
+            <a:solidFill>
+              <a:schemeClr val="accent3">
+                <a:lumMod val="40000"/>
+                <a:lumOff val="60000"/>
+              </a:schemeClr>
+            </a:solidFill>
+            <a:ln>
+              <a:noFill/>
+            </a:ln>
+          </p:spPr>
+          <p:style>
+            <a:lnRef idx="2">
+              <a:schemeClr val="accent1">
+                <a:shade val="50000"/>
+              </a:schemeClr>
+            </a:lnRef>
+            <a:fillRef idx="1">
+              <a:schemeClr val="accent1"/>
+            </a:fillRef>
+            <a:effectRef idx="0">
+              <a:schemeClr val="accent1"/>
+            </a:effectRef>
+            <a:fontRef idx="minor">
+              <a:schemeClr val="lt1"/>
+            </a:fontRef>
+          </p:style>
+          <p:txBody>
+            <a:bodyPr rtlCol="0" anchor="ctr"/>
+            <a:lstStyle/>
+            <a:p>
+              <a:pPr algn="ctr"/>
+              <a:r>
+                <a:rPr lang="en-US" sz="2000" dirty="0">
+                  <a:latin typeface="Inter Black" panose="02000A03000000020004" pitchFamily="50" charset="0"/>
+                  <a:ea typeface="Inter Black" panose="02000A03000000020004" pitchFamily="50" charset="0"/>
+                  <a:cs typeface="Inter Black" panose="02000A03000000020004" pitchFamily="50" charset="0"/>
+                </a:rPr>
+                <a:t>1</a:t>
+              </a:r>
+            </a:p>
+          </p:txBody>
+        </p:sp>
+        <p:sp>
+          <p:nvSpPr>
+            <p:cNvPr id="25" name="Rectangle: Rounded Corners 24">
+              <a:extLst>
+                <a:ext uri="{FF2B5EF4-FFF2-40B4-BE49-F238E27FC236}">
+                  <a16:creationId xmlns:a16="http://schemas.microsoft.com/office/drawing/2014/main" id="{8816AAA0-E06E-4F92-AF7F-39A03EB86A62}"/>
+                </a:ext>
+              </a:extLst>
+            </p:cNvPr>
+            <p:cNvSpPr/>
+            <p:nvPr/>
+          </p:nvSpPr>
+          <p:spPr>
+            <a:xfrm>
+              <a:off x="8340512" y="4322234"/>
+              <a:ext cx="575733" cy="575733"/>
+            </a:xfrm>
+            <a:prstGeom prst="roundRect">
+              <a:avLst/>
+            </a:prstGeom>
+            <a:solidFill>
+              <a:srgbClr val="38BDF8"/>
+            </a:solidFill>
+            <a:ln w="19050">
+              <a:solidFill>
+                <a:schemeClr val="bg1"/>
+              </a:solidFill>
+            </a:ln>
+          </p:spPr>
+          <p:style>
+            <a:lnRef idx="2">
+              <a:schemeClr val="accent1">
+                <a:shade val="50000"/>
+              </a:schemeClr>
+            </a:lnRef>
+            <a:fillRef idx="1">
+              <a:schemeClr val="accent1"/>
+            </a:fillRef>
+            <a:effectRef idx="0">
+              <a:schemeClr val="accent1"/>
+            </a:effectRef>
+            <a:fontRef idx="minor">
+              <a:schemeClr val="lt1"/>
+            </a:fontRef>
+          </p:style>
+          <p:txBody>
+            <a:bodyPr rtlCol="0" anchor="ctr"/>
+            <a:lstStyle/>
+            <a:p>
+              <a:pPr algn="ctr"/>
+              <a:r>
+                <a:rPr lang="en-US" sz="2000" dirty="0">
+                  <a:latin typeface="Inter Black" panose="02000A03000000020004" pitchFamily="50" charset="0"/>
+                  <a:ea typeface="Inter Black" panose="02000A03000000020004" pitchFamily="50" charset="0"/>
+                  <a:cs typeface="Inter Black" panose="02000A03000000020004" pitchFamily="50" charset="0"/>
+                </a:rPr>
+                <a:t>3</a:t>
+              </a:r>
+            </a:p>
+          </p:txBody>
+        </p:sp>
+      </p:grpSp>
     </p:spTree>
     <p:extLst>
       <p:ext uri="{BB962C8B-B14F-4D97-AF65-F5344CB8AC3E}">
@@ -21472,6 +23781,150 @@
           </p:txBody>
         </p:sp>
       </p:grpSp>
+      <p:grpSp>
+        <p:nvGrpSpPr>
+          <p:cNvPr id="23" name="Group 22">
+            <a:extLst>
+              <a:ext uri="{FF2B5EF4-FFF2-40B4-BE49-F238E27FC236}">
+                <a16:creationId xmlns:a16="http://schemas.microsoft.com/office/drawing/2014/main" id="{CB46A799-97D9-47E1-8D17-8B26735987D7}"/>
+              </a:ext>
+            </a:extLst>
+          </p:cNvPr>
+          <p:cNvGrpSpPr/>
+          <p:nvPr/>
+        </p:nvGrpSpPr>
+        <p:grpSpPr>
+          <a:xfrm>
+            <a:off x="8340512" y="4322234"/>
+            <a:ext cx="642086" cy="637403"/>
+            <a:chOff x="8340512" y="4322234"/>
+            <a:chExt cx="642086" cy="637403"/>
+          </a:xfrm>
+        </p:grpSpPr>
+        <p:sp>
+          <p:nvSpPr>
+            <p:cNvPr id="24" name="Rectangle: Rounded Corners 23">
+              <a:extLst>
+                <a:ext uri="{FF2B5EF4-FFF2-40B4-BE49-F238E27FC236}">
+                  <a16:creationId xmlns:a16="http://schemas.microsoft.com/office/drawing/2014/main" id="{FF335471-97AA-4304-9930-330EEFB8FC24}"/>
+                </a:ext>
+              </a:extLst>
+            </p:cNvPr>
+            <p:cNvSpPr/>
+            <p:nvPr/>
+          </p:nvSpPr>
+          <p:spPr>
+            <a:xfrm>
+              <a:off x="8406865" y="4383904"/>
+              <a:ext cx="575733" cy="575733"/>
+            </a:xfrm>
+            <a:prstGeom prst="roundRect">
+              <a:avLst/>
+            </a:prstGeom>
+            <a:solidFill>
+              <a:schemeClr val="accent3">
+                <a:lumMod val="40000"/>
+                <a:lumOff val="60000"/>
+              </a:schemeClr>
+            </a:solidFill>
+            <a:ln>
+              <a:noFill/>
+            </a:ln>
+          </p:spPr>
+          <p:style>
+            <a:lnRef idx="2">
+              <a:schemeClr val="accent1">
+                <a:shade val="50000"/>
+              </a:schemeClr>
+            </a:lnRef>
+            <a:fillRef idx="1">
+              <a:schemeClr val="accent1"/>
+            </a:fillRef>
+            <a:effectRef idx="0">
+              <a:schemeClr val="accent1"/>
+            </a:effectRef>
+            <a:fontRef idx="minor">
+              <a:schemeClr val="lt1"/>
+            </a:fontRef>
+          </p:style>
+          <p:txBody>
+            <a:bodyPr rtlCol="0" anchor="ctr"/>
+            <a:lstStyle/>
+            <a:p>
+              <a:pPr algn="ctr"/>
+              <a:r>
+                <a:rPr lang="en-US" sz="2000" dirty="0">
+                  <a:latin typeface="Inter Black" panose="02000A03000000020004" pitchFamily="50" charset="0"/>
+                  <a:ea typeface="Inter Black" panose="02000A03000000020004" pitchFamily="50" charset="0"/>
+                  <a:cs typeface="Inter Black" panose="02000A03000000020004" pitchFamily="50" charset="0"/>
+                </a:rPr>
+                <a:t>1</a:t>
+              </a:r>
+            </a:p>
+          </p:txBody>
+        </p:sp>
+        <p:sp>
+          <p:nvSpPr>
+            <p:cNvPr id="25" name="Rectangle: Rounded Corners 24">
+              <a:extLst>
+                <a:ext uri="{FF2B5EF4-FFF2-40B4-BE49-F238E27FC236}">
+                  <a16:creationId xmlns:a16="http://schemas.microsoft.com/office/drawing/2014/main" id="{AE1AB98B-E0FC-4694-A9D6-B68EFAF530C6}"/>
+                </a:ext>
+              </a:extLst>
+            </p:cNvPr>
+            <p:cNvSpPr/>
+            <p:nvPr/>
+          </p:nvSpPr>
+          <p:spPr>
+            <a:xfrm>
+              <a:off x="8340512" y="4322234"/>
+              <a:ext cx="575733" cy="575733"/>
+            </a:xfrm>
+            <a:prstGeom prst="roundRect">
+              <a:avLst/>
+            </a:prstGeom>
+            <a:solidFill>
+              <a:srgbClr val="38BDF8"/>
+            </a:solidFill>
+            <a:ln w="19050">
+              <a:solidFill>
+                <a:schemeClr val="bg1"/>
+              </a:solidFill>
+            </a:ln>
+          </p:spPr>
+          <p:style>
+            <a:lnRef idx="2">
+              <a:schemeClr val="accent1">
+                <a:shade val="50000"/>
+              </a:schemeClr>
+            </a:lnRef>
+            <a:fillRef idx="1">
+              <a:schemeClr val="accent1"/>
+            </a:fillRef>
+            <a:effectRef idx="0">
+              <a:schemeClr val="accent1"/>
+            </a:effectRef>
+            <a:fontRef idx="minor">
+              <a:schemeClr val="lt1"/>
+            </a:fontRef>
+          </p:style>
+          <p:txBody>
+            <a:bodyPr rtlCol="0" anchor="ctr"/>
+            <a:lstStyle/>
+            <a:p>
+              <a:pPr algn="ctr"/>
+              <a:r>
+                <a:rPr lang="en-US" sz="2000" dirty="0">
+                  <a:latin typeface="Inter Black" panose="02000A03000000020004" pitchFamily="50" charset="0"/>
+                  <a:ea typeface="Inter Black" panose="02000A03000000020004" pitchFamily="50" charset="0"/>
+                  <a:cs typeface="Inter Black" panose="02000A03000000020004" pitchFamily="50" charset="0"/>
+                </a:rPr>
+                <a:t>3</a:t>
+              </a:r>
+            </a:p>
+          </p:txBody>
+        </p:sp>
+      </p:grpSp>
     </p:spTree>
     <p:extLst>
       <p:ext uri="{BB962C8B-B14F-4D97-AF65-F5344CB8AC3E}">
@@ -23595,6 +26048,150 @@
           </p:txBody>
         </p:sp>
       </p:grpSp>
+      <p:grpSp>
+        <p:nvGrpSpPr>
+          <p:cNvPr id="23" name="Group 22">
+            <a:extLst>
+              <a:ext uri="{FF2B5EF4-FFF2-40B4-BE49-F238E27FC236}">
+                <a16:creationId xmlns:a16="http://schemas.microsoft.com/office/drawing/2014/main" id="{119C85CC-512E-415C-817A-3B99170CFB24}"/>
+              </a:ext>
+            </a:extLst>
+          </p:cNvPr>
+          <p:cNvGrpSpPr/>
+          <p:nvPr/>
+        </p:nvGrpSpPr>
+        <p:grpSpPr>
+          <a:xfrm>
+            <a:off x="8340512" y="4322234"/>
+            <a:ext cx="642086" cy="637403"/>
+            <a:chOff x="8340512" y="4322234"/>
+            <a:chExt cx="642086" cy="637403"/>
+          </a:xfrm>
+        </p:grpSpPr>
+        <p:sp>
+          <p:nvSpPr>
+            <p:cNvPr id="24" name="Rectangle: Rounded Corners 23">
+              <a:extLst>
+                <a:ext uri="{FF2B5EF4-FFF2-40B4-BE49-F238E27FC236}">
+                  <a16:creationId xmlns:a16="http://schemas.microsoft.com/office/drawing/2014/main" id="{AF8976EF-947C-4A83-AA44-80362295690F}"/>
+                </a:ext>
+              </a:extLst>
+            </p:cNvPr>
+            <p:cNvSpPr/>
+            <p:nvPr/>
+          </p:nvSpPr>
+          <p:spPr>
+            <a:xfrm>
+              <a:off x="8406865" y="4383904"/>
+              <a:ext cx="575733" cy="575733"/>
+            </a:xfrm>
+            <a:prstGeom prst="roundRect">
+              <a:avLst/>
+            </a:prstGeom>
+            <a:solidFill>
+              <a:schemeClr val="accent3">
+                <a:lumMod val="40000"/>
+                <a:lumOff val="60000"/>
+              </a:schemeClr>
+            </a:solidFill>
+            <a:ln>
+              <a:noFill/>
+            </a:ln>
+          </p:spPr>
+          <p:style>
+            <a:lnRef idx="2">
+              <a:schemeClr val="accent1">
+                <a:shade val="50000"/>
+              </a:schemeClr>
+            </a:lnRef>
+            <a:fillRef idx="1">
+              <a:schemeClr val="accent1"/>
+            </a:fillRef>
+            <a:effectRef idx="0">
+              <a:schemeClr val="accent1"/>
+            </a:effectRef>
+            <a:fontRef idx="minor">
+              <a:schemeClr val="lt1"/>
+            </a:fontRef>
+          </p:style>
+          <p:txBody>
+            <a:bodyPr rtlCol="0" anchor="ctr"/>
+            <a:lstStyle/>
+            <a:p>
+              <a:pPr algn="ctr"/>
+              <a:r>
+                <a:rPr lang="en-US" sz="2000" dirty="0">
+                  <a:latin typeface="Inter Black" panose="02000A03000000020004" pitchFamily="50" charset="0"/>
+                  <a:ea typeface="Inter Black" panose="02000A03000000020004" pitchFamily="50" charset="0"/>
+                  <a:cs typeface="Inter Black" panose="02000A03000000020004" pitchFamily="50" charset="0"/>
+                </a:rPr>
+                <a:t>1</a:t>
+              </a:r>
+            </a:p>
+          </p:txBody>
+        </p:sp>
+        <p:sp>
+          <p:nvSpPr>
+            <p:cNvPr id="25" name="Rectangle: Rounded Corners 24">
+              <a:extLst>
+                <a:ext uri="{FF2B5EF4-FFF2-40B4-BE49-F238E27FC236}">
+                  <a16:creationId xmlns:a16="http://schemas.microsoft.com/office/drawing/2014/main" id="{6AC61B93-C3F7-41D4-B951-F8A9A495C237}"/>
+                </a:ext>
+              </a:extLst>
+            </p:cNvPr>
+            <p:cNvSpPr/>
+            <p:nvPr/>
+          </p:nvSpPr>
+          <p:spPr>
+            <a:xfrm>
+              <a:off x="8340512" y="4322234"/>
+              <a:ext cx="575733" cy="575733"/>
+            </a:xfrm>
+            <a:prstGeom prst="roundRect">
+              <a:avLst/>
+            </a:prstGeom>
+            <a:solidFill>
+              <a:srgbClr val="38BDF8"/>
+            </a:solidFill>
+            <a:ln w="19050">
+              <a:solidFill>
+                <a:schemeClr val="bg1"/>
+              </a:solidFill>
+            </a:ln>
+          </p:spPr>
+          <p:style>
+            <a:lnRef idx="2">
+              <a:schemeClr val="accent1">
+                <a:shade val="50000"/>
+              </a:schemeClr>
+            </a:lnRef>
+            <a:fillRef idx="1">
+              <a:schemeClr val="accent1"/>
+            </a:fillRef>
+            <a:effectRef idx="0">
+              <a:schemeClr val="accent1"/>
+            </a:effectRef>
+            <a:fontRef idx="minor">
+              <a:schemeClr val="lt1"/>
+            </a:fontRef>
+          </p:style>
+          <p:txBody>
+            <a:bodyPr rtlCol="0" anchor="ctr"/>
+            <a:lstStyle/>
+            <a:p>
+              <a:pPr algn="ctr"/>
+              <a:r>
+                <a:rPr lang="en-US" sz="2000" dirty="0">
+                  <a:latin typeface="Inter Black" panose="02000A03000000020004" pitchFamily="50" charset="0"/>
+                  <a:ea typeface="Inter Black" panose="02000A03000000020004" pitchFamily="50" charset="0"/>
+                  <a:cs typeface="Inter Black" panose="02000A03000000020004" pitchFamily="50" charset="0"/>
+                </a:rPr>
+                <a:t>3</a:t>
+              </a:r>
+            </a:p>
+          </p:txBody>
+        </p:sp>
+      </p:grpSp>
     </p:spTree>
     <p:extLst>
       <p:ext uri="{BB962C8B-B14F-4D97-AF65-F5344CB8AC3E}">
@@ -25713,6 +28310,150 @@
                   <a:cs typeface="Inter Medium" panose="02000603000000020004" pitchFamily="50" charset="0"/>
                 </a:rPr>
                 <a:t>.</a:t>
+              </a:r>
+            </a:p>
+          </p:txBody>
+        </p:sp>
+      </p:grpSp>
+      <p:grpSp>
+        <p:nvGrpSpPr>
+          <p:cNvPr id="23" name="Group 22">
+            <a:extLst>
+              <a:ext uri="{FF2B5EF4-FFF2-40B4-BE49-F238E27FC236}">
+                <a16:creationId xmlns:a16="http://schemas.microsoft.com/office/drawing/2014/main" id="{E40BD873-A6BD-47EE-9BF9-786A3E52BAFD}"/>
+              </a:ext>
+            </a:extLst>
+          </p:cNvPr>
+          <p:cNvGrpSpPr/>
+          <p:nvPr/>
+        </p:nvGrpSpPr>
+        <p:grpSpPr>
+          <a:xfrm>
+            <a:off x="8340512" y="4322234"/>
+            <a:ext cx="642086" cy="637403"/>
+            <a:chOff x="8340512" y="4322234"/>
+            <a:chExt cx="642086" cy="637403"/>
+          </a:xfrm>
+        </p:grpSpPr>
+        <p:sp>
+          <p:nvSpPr>
+            <p:cNvPr id="24" name="Rectangle: Rounded Corners 23">
+              <a:extLst>
+                <a:ext uri="{FF2B5EF4-FFF2-40B4-BE49-F238E27FC236}">
+                  <a16:creationId xmlns:a16="http://schemas.microsoft.com/office/drawing/2014/main" id="{75CD5FF6-9D1C-4EA8-957A-32E482AA9965}"/>
+                </a:ext>
+              </a:extLst>
+            </p:cNvPr>
+            <p:cNvSpPr/>
+            <p:nvPr/>
+          </p:nvSpPr>
+          <p:spPr>
+            <a:xfrm>
+              <a:off x="8406865" y="4383904"/>
+              <a:ext cx="575733" cy="575733"/>
+            </a:xfrm>
+            <a:prstGeom prst="roundRect">
+              <a:avLst/>
+            </a:prstGeom>
+            <a:solidFill>
+              <a:schemeClr val="accent3">
+                <a:lumMod val="40000"/>
+                <a:lumOff val="60000"/>
+              </a:schemeClr>
+            </a:solidFill>
+            <a:ln>
+              <a:noFill/>
+            </a:ln>
+          </p:spPr>
+          <p:style>
+            <a:lnRef idx="2">
+              <a:schemeClr val="accent1">
+                <a:shade val="50000"/>
+              </a:schemeClr>
+            </a:lnRef>
+            <a:fillRef idx="1">
+              <a:schemeClr val="accent1"/>
+            </a:fillRef>
+            <a:effectRef idx="0">
+              <a:schemeClr val="accent1"/>
+            </a:effectRef>
+            <a:fontRef idx="minor">
+              <a:schemeClr val="lt1"/>
+            </a:fontRef>
+          </p:style>
+          <p:txBody>
+            <a:bodyPr rtlCol="0" anchor="ctr"/>
+            <a:lstStyle/>
+            <a:p>
+              <a:pPr algn="ctr"/>
+              <a:r>
+                <a:rPr lang="en-US" sz="2000" dirty="0">
+                  <a:latin typeface="Inter Black" panose="02000A03000000020004" pitchFamily="50" charset="0"/>
+                  <a:ea typeface="Inter Black" panose="02000A03000000020004" pitchFamily="50" charset="0"/>
+                  <a:cs typeface="Inter Black" panose="02000A03000000020004" pitchFamily="50" charset="0"/>
+                </a:rPr>
+                <a:t>1</a:t>
+              </a:r>
+            </a:p>
+          </p:txBody>
+        </p:sp>
+        <p:sp>
+          <p:nvSpPr>
+            <p:cNvPr id="25" name="Rectangle: Rounded Corners 24">
+              <a:extLst>
+                <a:ext uri="{FF2B5EF4-FFF2-40B4-BE49-F238E27FC236}">
+                  <a16:creationId xmlns:a16="http://schemas.microsoft.com/office/drawing/2014/main" id="{FF8FEB4D-0B7B-423A-888F-0DE6DB4B3195}"/>
+                </a:ext>
+              </a:extLst>
+            </p:cNvPr>
+            <p:cNvSpPr/>
+            <p:nvPr/>
+          </p:nvSpPr>
+          <p:spPr>
+            <a:xfrm>
+              <a:off x="8340512" y="4322234"/>
+              <a:ext cx="575733" cy="575733"/>
+            </a:xfrm>
+            <a:prstGeom prst="roundRect">
+              <a:avLst/>
+            </a:prstGeom>
+            <a:solidFill>
+              <a:srgbClr val="38BDF8"/>
+            </a:solidFill>
+            <a:ln w="19050">
+              <a:solidFill>
+                <a:schemeClr val="bg1"/>
+              </a:solidFill>
+            </a:ln>
+          </p:spPr>
+          <p:style>
+            <a:lnRef idx="2">
+              <a:schemeClr val="accent1">
+                <a:shade val="50000"/>
+              </a:schemeClr>
+            </a:lnRef>
+            <a:fillRef idx="1">
+              <a:schemeClr val="accent1"/>
+            </a:fillRef>
+            <a:effectRef idx="0">
+              <a:schemeClr val="accent1"/>
+            </a:effectRef>
+            <a:fontRef idx="minor">
+              <a:schemeClr val="lt1"/>
+            </a:fontRef>
+          </p:style>
+          <p:txBody>
+            <a:bodyPr rtlCol="0" anchor="ctr"/>
+            <a:lstStyle/>
+            <a:p>
+              <a:pPr algn="ctr"/>
+              <a:r>
+                <a:rPr lang="en-US" sz="2000" dirty="0">
+                  <a:latin typeface="Inter Black" panose="02000A03000000020004" pitchFamily="50" charset="0"/>
+                  <a:ea typeface="Inter Black" panose="02000A03000000020004" pitchFamily="50" charset="0"/>
+                  <a:cs typeface="Inter Black" panose="02000A03000000020004" pitchFamily="50" charset="0"/>
+                </a:rPr>
+                <a:t>3</a:t>
               </a:r>
             </a:p>
           </p:txBody>
@@ -26021,6 +28762,150 @@
           </a:prstGeom>
         </p:spPr>
       </p:pic>
+      <p:grpSp>
+        <p:nvGrpSpPr>
+          <p:cNvPr id="9" name="Group 8">
+            <a:extLst>
+              <a:ext uri="{FF2B5EF4-FFF2-40B4-BE49-F238E27FC236}">
+                <a16:creationId xmlns:a16="http://schemas.microsoft.com/office/drawing/2014/main" id="{545B1311-3E3C-4716-A313-A97795DC2736}"/>
+              </a:ext>
+            </a:extLst>
+          </p:cNvPr>
+          <p:cNvGrpSpPr/>
+          <p:nvPr/>
+        </p:nvGrpSpPr>
+        <p:grpSpPr>
+          <a:xfrm>
+            <a:off x="8340512" y="4322234"/>
+            <a:ext cx="642086" cy="637403"/>
+            <a:chOff x="8340512" y="4322234"/>
+            <a:chExt cx="642086" cy="637403"/>
+          </a:xfrm>
+        </p:grpSpPr>
+        <p:sp>
+          <p:nvSpPr>
+            <p:cNvPr id="10" name="Rectangle: Rounded Corners 9">
+              <a:extLst>
+                <a:ext uri="{FF2B5EF4-FFF2-40B4-BE49-F238E27FC236}">
+                  <a16:creationId xmlns:a16="http://schemas.microsoft.com/office/drawing/2014/main" id="{170627AC-8621-457C-97C2-A83F42A4F28C}"/>
+                </a:ext>
+              </a:extLst>
+            </p:cNvPr>
+            <p:cNvSpPr/>
+            <p:nvPr/>
+          </p:nvSpPr>
+          <p:spPr>
+            <a:xfrm>
+              <a:off x="8406865" y="4383904"/>
+              <a:ext cx="575733" cy="575733"/>
+            </a:xfrm>
+            <a:prstGeom prst="roundRect">
+              <a:avLst/>
+            </a:prstGeom>
+            <a:solidFill>
+              <a:schemeClr val="accent3">
+                <a:lumMod val="40000"/>
+                <a:lumOff val="60000"/>
+              </a:schemeClr>
+            </a:solidFill>
+            <a:ln>
+              <a:noFill/>
+            </a:ln>
+          </p:spPr>
+          <p:style>
+            <a:lnRef idx="2">
+              <a:schemeClr val="accent1">
+                <a:shade val="50000"/>
+              </a:schemeClr>
+            </a:lnRef>
+            <a:fillRef idx="1">
+              <a:schemeClr val="accent1"/>
+            </a:fillRef>
+            <a:effectRef idx="0">
+              <a:schemeClr val="accent1"/>
+            </a:effectRef>
+            <a:fontRef idx="minor">
+              <a:schemeClr val="lt1"/>
+            </a:fontRef>
+          </p:style>
+          <p:txBody>
+            <a:bodyPr rtlCol="0" anchor="ctr"/>
+            <a:lstStyle/>
+            <a:p>
+              <a:pPr algn="ctr"/>
+              <a:r>
+                <a:rPr lang="en-US" sz="2000" dirty="0">
+                  <a:latin typeface="Inter Black" panose="02000A03000000020004" pitchFamily="50" charset="0"/>
+                  <a:ea typeface="Inter Black" panose="02000A03000000020004" pitchFamily="50" charset="0"/>
+                  <a:cs typeface="Inter Black" panose="02000A03000000020004" pitchFamily="50" charset="0"/>
+                </a:rPr>
+                <a:t>1</a:t>
+              </a:r>
+            </a:p>
+          </p:txBody>
+        </p:sp>
+        <p:sp>
+          <p:nvSpPr>
+            <p:cNvPr id="11" name="Rectangle: Rounded Corners 10">
+              <a:extLst>
+                <a:ext uri="{FF2B5EF4-FFF2-40B4-BE49-F238E27FC236}">
+                  <a16:creationId xmlns:a16="http://schemas.microsoft.com/office/drawing/2014/main" id="{49D4B249-6E62-42C6-BD87-BC6558E9D4B5}"/>
+                </a:ext>
+              </a:extLst>
+            </p:cNvPr>
+            <p:cNvSpPr/>
+            <p:nvPr/>
+          </p:nvSpPr>
+          <p:spPr>
+            <a:xfrm>
+              <a:off x="8340512" y="4322234"/>
+              <a:ext cx="575733" cy="575733"/>
+            </a:xfrm>
+            <a:prstGeom prst="roundRect">
+              <a:avLst/>
+            </a:prstGeom>
+            <a:solidFill>
+              <a:srgbClr val="38BDF8"/>
+            </a:solidFill>
+            <a:ln w="19050">
+              <a:solidFill>
+                <a:schemeClr val="bg1"/>
+              </a:solidFill>
+            </a:ln>
+          </p:spPr>
+          <p:style>
+            <a:lnRef idx="2">
+              <a:schemeClr val="accent1">
+                <a:shade val="50000"/>
+              </a:schemeClr>
+            </a:lnRef>
+            <a:fillRef idx="1">
+              <a:schemeClr val="accent1"/>
+            </a:fillRef>
+            <a:effectRef idx="0">
+              <a:schemeClr val="accent1"/>
+            </a:effectRef>
+            <a:fontRef idx="minor">
+              <a:schemeClr val="lt1"/>
+            </a:fontRef>
+          </p:style>
+          <p:txBody>
+            <a:bodyPr rtlCol="0" anchor="ctr"/>
+            <a:lstStyle/>
+            <a:p>
+              <a:pPr algn="ctr"/>
+              <a:r>
+                <a:rPr lang="en-US" sz="2000" dirty="0">
+                  <a:latin typeface="Inter Black" panose="02000A03000000020004" pitchFamily="50" charset="0"/>
+                  <a:ea typeface="Inter Black" panose="02000A03000000020004" pitchFamily="50" charset="0"/>
+                  <a:cs typeface="Inter Black" panose="02000A03000000020004" pitchFamily="50" charset="0"/>
+                </a:rPr>
+                <a:t>4</a:t>
+              </a:r>
+            </a:p>
+          </p:txBody>
+        </p:sp>
+      </p:grpSp>
     </p:spTree>
   </p:cSld>
   <p:clrMapOvr>
@@ -26211,6 +29096,150 @@
           </a:p>
         </p:txBody>
       </p:sp>
+      <p:grpSp>
+        <p:nvGrpSpPr>
+          <p:cNvPr id="9" name="Group 8">
+            <a:extLst>
+              <a:ext uri="{FF2B5EF4-FFF2-40B4-BE49-F238E27FC236}">
+                <a16:creationId xmlns:a16="http://schemas.microsoft.com/office/drawing/2014/main" id="{8C62F777-D149-4382-8EE3-890DBEBB3168}"/>
+              </a:ext>
+            </a:extLst>
+          </p:cNvPr>
+          <p:cNvGrpSpPr/>
+          <p:nvPr/>
+        </p:nvGrpSpPr>
+        <p:grpSpPr>
+          <a:xfrm>
+            <a:off x="8340512" y="4322234"/>
+            <a:ext cx="642086" cy="637403"/>
+            <a:chOff x="8340512" y="4322234"/>
+            <a:chExt cx="642086" cy="637403"/>
+          </a:xfrm>
+        </p:grpSpPr>
+        <p:sp>
+          <p:nvSpPr>
+            <p:cNvPr id="12" name="Rectangle: Rounded Corners 11">
+              <a:extLst>
+                <a:ext uri="{FF2B5EF4-FFF2-40B4-BE49-F238E27FC236}">
+                  <a16:creationId xmlns:a16="http://schemas.microsoft.com/office/drawing/2014/main" id="{DF279941-C9A7-477B-A9B3-0445209B053C}"/>
+                </a:ext>
+              </a:extLst>
+            </p:cNvPr>
+            <p:cNvSpPr/>
+            <p:nvPr/>
+          </p:nvSpPr>
+          <p:spPr>
+            <a:xfrm>
+              <a:off x="8406865" y="4383904"/>
+              <a:ext cx="575733" cy="575733"/>
+            </a:xfrm>
+            <a:prstGeom prst="roundRect">
+              <a:avLst/>
+            </a:prstGeom>
+            <a:solidFill>
+              <a:schemeClr val="accent3">
+                <a:lumMod val="40000"/>
+                <a:lumOff val="60000"/>
+              </a:schemeClr>
+            </a:solidFill>
+            <a:ln>
+              <a:noFill/>
+            </a:ln>
+          </p:spPr>
+          <p:style>
+            <a:lnRef idx="2">
+              <a:schemeClr val="accent1">
+                <a:shade val="50000"/>
+              </a:schemeClr>
+            </a:lnRef>
+            <a:fillRef idx="1">
+              <a:schemeClr val="accent1"/>
+            </a:fillRef>
+            <a:effectRef idx="0">
+              <a:schemeClr val="accent1"/>
+            </a:effectRef>
+            <a:fontRef idx="minor">
+              <a:schemeClr val="lt1"/>
+            </a:fontRef>
+          </p:style>
+          <p:txBody>
+            <a:bodyPr rtlCol="0" anchor="ctr"/>
+            <a:lstStyle/>
+            <a:p>
+              <a:pPr algn="ctr"/>
+              <a:r>
+                <a:rPr lang="en-US" sz="2000" dirty="0">
+                  <a:latin typeface="Inter Black" panose="02000A03000000020004" pitchFamily="50" charset="0"/>
+                  <a:ea typeface="Inter Black" panose="02000A03000000020004" pitchFamily="50" charset="0"/>
+                  <a:cs typeface="Inter Black" panose="02000A03000000020004" pitchFamily="50" charset="0"/>
+                </a:rPr>
+                <a:t>1</a:t>
+              </a:r>
+            </a:p>
+          </p:txBody>
+        </p:sp>
+        <p:sp>
+          <p:nvSpPr>
+            <p:cNvPr id="13" name="Rectangle: Rounded Corners 12">
+              <a:extLst>
+                <a:ext uri="{FF2B5EF4-FFF2-40B4-BE49-F238E27FC236}">
+                  <a16:creationId xmlns:a16="http://schemas.microsoft.com/office/drawing/2014/main" id="{2F01B467-423E-4C91-A020-418100A1D79D}"/>
+                </a:ext>
+              </a:extLst>
+            </p:cNvPr>
+            <p:cNvSpPr/>
+            <p:nvPr/>
+          </p:nvSpPr>
+          <p:spPr>
+            <a:xfrm>
+              <a:off x="8340512" y="4322234"/>
+              <a:ext cx="575733" cy="575733"/>
+            </a:xfrm>
+            <a:prstGeom prst="roundRect">
+              <a:avLst/>
+            </a:prstGeom>
+            <a:solidFill>
+              <a:srgbClr val="38BDF8"/>
+            </a:solidFill>
+            <a:ln w="19050">
+              <a:solidFill>
+                <a:schemeClr val="bg1"/>
+              </a:solidFill>
+            </a:ln>
+          </p:spPr>
+          <p:style>
+            <a:lnRef idx="2">
+              <a:schemeClr val="accent1">
+                <a:shade val="50000"/>
+              </a:schemeClr>
+            </a:lnRef>
+            <a:fillRef idx="1">
+              <a:schemeClr val="accent1"/>
+            </a:fillRef>
+            <a:effectRef idx="0">
+              <a:schemeClr val="accent1"/>
+            </a:effectRef>
+            <a:fontRef idx="minor">
+              <a:schemeClr val="lt1"/>
+            </a:fontRef>
+          </p:style>
+          <p:txBody>
+            <a:bodyPr rtlCol="0" anchor="ctr"/>
+            <a:lstStyle/>
+            <a:p>
+              <a:pPr algn="ctr"/>
+              <a:r>
+                <a:rPr lang="en-US" sz="2000" dirty="0">
+                  <a:latin typeface="Inter Black" panose="02000A03000000020004" pitchFamily="50" charset="0"/>
+                  <a:ea typeface="Inter Black" panose="02000A03000000020004" pitchFamily="50" charset="0"/>
+                  <a:cs typeface="Inter Black" panose="02000A03000000020004" pitchFamily="50" charset="0"/>
+                </a:rPr>
+                <a:t>5</a:t>
+              </a:r>
+            </a:p>
+          </p:txBody>
+        </p:sp>
+      </p:grpSp>
     </p:spTree>
     <p:extLst>
       <p:ext uri="{BB962C8B-B14F-4D97-AF65-F5344CB8AC3E}">
